--- a/グラフアルゴリズムの実装（DFS）.pptx
+++ b/グラフアルゴリズムの実装（DFS）.pptx
@@ -14,7 +14,9 @@
     <p:sldId id="262" r:id="rId8"/>
     <p:sldId id="263" r:id="rId9"/>
     <p:sldId id="264" r:id="rId10"/>
-    <p:sldId id="265" r:id="rId11"/>
+    <p:sldId id="267" r:id="rId11"/>
+    <p:sldId id="266" r:id="rId12"/>
+    <p:sldId id="268" r:id="rId13"/>
   </p:sldIdLst>
   <p:sldSz cx="12192000" cy="6858000"/>
   <p:notesSz cx="6858000" cy="9144000"/>
@@ -113,7 +115,157 @@
       </a:defRPr>
     </a:lvl9pPr>
   </p:defaultTextStyle>
+  <p:extLst>
+    <p:ext uri="{EFAFB233-063F-42B5-8137-9DF3F51BA10A}">
+      <p15:sldGuideLst xmlns:p15="http://schemas.microsoft.com/office/powerpoint/2012/main"/>
+    </p:ext>
+  </p:extLst>
 </p:presentation>
+</file>
+
+<file path=ppt/changesInfos/changesInfo1.xml><?xml version="1.0" encoding="utf-8"?>
+<pc:chgInfo xmlns:a="http://schemas.openxmlformats.org/drawingml/2006/main" xmlns:r="http://schemas.openxmlformats.org/officeDocument/2006/relationships" xmlns:ac="http://schemas.microsoft.com/office/drawing/2013/main/command" xmlns:pc="http://schemas.microsoft.com/office/powerpoint/2013/main/command">
+  <pc:docChgLst>
+    <pc:chgData name="金 煜旋" userId="39322054f507fb48" providerId="LiveId" clId="{04B55878-766C-4F6A-B82C-60028102387E}"/>
+    <pc:docChg chg="custSel addSld delSld modSld">
+      <pc:chgData name="金 煜旋" userId="39322054f507fb48" providerId="LiveId" clId="{04B55878-766C-4F6A-B82C-60028102387E}" dt="2022-06-01T18:43:18.276" v="681" actId="2696"/>
+      <pc:docMkLst>
+        <pc:docMk/>
+      </pc:docMkLst>
+      <pc:sldChg chg="delSp">
+        <pc:chgData name="金 煜旋" userId="39322054f507fb48" providerId="LiveId" clId="{04B55878-766C-4F6A-B82C-60028102387E}" dt="2022-06-01T18:04:56.559" v="0"/>
+        <pc:sldMkLst>
+          <pc:docMk/>
+          <pc:sldMk cId="1284205699" sldId="264"/>
+        </pc:sldMkLst>
+        <pc:picChg chg="del">
+          <ac:chgData name="金 煜旋" userId="39322054f507fb48" providerId="LiveId" clId="{04B55878-766C-4F6A-B82C-60028102387E}" dt="2022-06-01T18:04:56.559" v="0"/>
+          <ac:picMkLst>
+            <pc:docMk/>
+            <pc:sldMk cId="1284205699" sldId="264"/>
+            <ac:picMk id="6" creationId="{C0B66822-99AB-7E7A-6B58-443DF1002293}"/>
+          </ac:picMkLst>
+        </pc:picChg>
+      </pc:sldChg>
+      <pc:sldChg chg="del">
+        <pc:chgData name="金 煜旋" userId="39322054f507fb48" providerId="LiveId" clId="{04B55878-766C-4F6A-B82C-60028102387E}" dt="2022-06-01T18:43:18.276" v="681" actId="2696"/>
+        <pc:sldMkLst>
+          <pc:docMk/>
+          <pc:sldMk cId="3355008040" sldId="265"/>
+        </pc:sldMkLst>
+      </pc:sldChg>
+      <pc:sldChg chg="addSp modSp mod">
+        <pc:chgData name="金 煜旋" userId="39322054f507fb48" providerId="LiveId" clId="{04B55878-766C-4F6A-B82C-60028102387E}" dt="2022-06-01T18:13:01.347" v="518" actId="14100"/>
+        <pc:sldMkLst>
+          <pc:docMk/>
+          <pc:sldMk cId="1256167473" sldId="266"/>
+        </pc:sldMkLst>
+        <pc:spChg chg="add mod">
+          <ac:chgData name="金 煜旋" userId="39322054f507fb48" providerId="LiveId" clId="{04B55878-766C-4F6A-B82C-60028102387E}" dt="2022-06-01T18:13:01.347" v="518" actId="14100"/>
+          <ac:spMkLst>
+            <pc:docMk/>
+            <pc:sldMk cId="1256167473" sldId="266"/>
+            <ac:spMk id="13" creationId="{26873F9E-7D3E-958B-B126-9268B00B5438}"/>
+          </ac:spMkLst>
+        </pc:spChg>
+        <pc:graphicFrameChg chg="modGraphic">
+          <ac:chgData name="金 煜旋" userId="39322054f507fb48" providerId="LiveId" clId="{04B55878-766C-4F6A-B82C-60028102387E}" dt="2022-06-01T18:06:07.372" v="13" actId="20577"/>
+          <ac:graphicFrameMkLst>
+            <pc:docMk/>
+            <pc:sldMk cId="1256167473" sldId="266"/>
+            <ac:graphicFrameMk id="4" creationId="{0E7E493C-20D7-926D-9540-3A87EBF54293}"/>
+          </ac:graphicFrameMkLst>
+        </pc:graphicFrameChg>
+        <pc:graphicFrameChg chg="modGraphic">
+          <ac:chgData name="金 煜旋" userId="39322054f507fb48" providerId="LiveId" clId="{04B55878-766C-4F6A-B82C-60028102387E}" dt="2022-06-01T18:06:50.339" v="16" actId="20577"/>
+          <ac:graphicFrameMkLst>
+            <pc:docMk/>
+            <pc:sldMk cId="1256167473" sldId="266"/>
+            <ac:graphicFrameMk id="5" creationId="{5DBB56D2-D5C6-81CC-909E-195F96A71293}"/>
+          </ac:graphicFrameMkLst>
+        </pc:graphicFrameChg>
+      </pc:sldChg>
+      <pc:sldChg chg="modSp new mod">
+        <pc:chgData name="金 煜旋" userId="39322054f507fb48" providerId="LiveId" clId="{04B55878-766C-4F6A-B82C-60028102387E}" dt="2022-06-01T18:10:50.609" v="454" actId="20577"/>
+        <pc:sldMkLst>
+          <pc:docMk/>
+          <pc:sldMk cId="583942414" sldId="267"/>
+        </pc:sldMkLst>
+        <pc:spChg chg="mod">
+          <ac:chgData name="金 煜旋" userId="39322054f507fb48" providerId="LiveId" clId="{04B55878-766C-4F6A-B82C-60028102387E}" dt="2022-06-01T18:07:28.253" v="63" actId="20577"/>
+          <ac:spMkLst>
+            <pc:docMk/>
+            <pc:sldMk cId="583942414" sldId="267"/>
+            <ac:spMk id="2" creationId="{B4542217-44B2-F1C4-36B6-27E8B924CAAE}"/>
+          </ac:spMkLst>
+        </pc:spChg>
+        <pc:spChg chg="mod">
+          <ac:chgData name="金 煜旋" userId="39322054f507fb48" providerId="LiveId" clId="{04B55878-766C-4F6A-B82C-60028102387E}" dt="2022-06-01T18:10:50.609" v="454" actId="20577"/>
+          <ac:spMkLst>
+            <pc:docMk/>
+            <pc:sldMk cId="583942414" sldId="267"/>
+            <ac:spMk id="3" creationId="{D58C639E-ACE1-E0D9-4B37-5D57E7FEA1BC}"/>
+          </ac:spMkLst>
+        </pc:spChg>
+      </pc:sldChg>
+      <pc:sldChg chg="modSp add mod">
+        <pc:chgData name="金 煜旋" userId="39322054f507fb48" providerId="LiveId" clId="{04B55878-766C-4F6A-B82C-60028102387E}" dt="2022-06-01T18:14:48.023" v="680" actId="1038"/>
+        <pc:sldMkLst>
+          <pc:docMk/>
+          <pc:sldMk cId="3558512761" sldId="268"/>
+        </pc:sldMkLst>
+        <pc:spChg chg="mod">
+          <ac:chgData name="金 煜旋" userId="39322054f507fb48" providerId="LiveId" clId="{04B55878-766C-4F6A-B82C-60028102387E}" dt="2022-06-01T18:14:18.125" v="590" actId="20577"/>
+          <ac:spMkLst>
+            <pc:docMk/>
+            <pc:sldMk cId="3558512761" sldId="268"/>
+            <ac:spMk id="3" creationId="{39E10BC7-345F-0266-269E-9F27B490CD86}"/>
+          </ac:spMkLst>
+        </pc:spChg>
+        <pc:spChg chg="mod">
+          <ac:chgData name="金 煜旋" userId="39322054f507fb48" providerId="LiveId" clId="{04B55878-766C-4F6A-B82C-60028102387E}" dt="2022-06-01T18:14:48.023" v="680" actId="1038"/>
+          <ac:spMkLst>
+            <pc:docMk/>
+            <pc:sldMk cId="3558512761" sldId="268"/>
+            <ac:spMk id="7" creationId="{7C0F0465-5457-E529-4DD8-EC80FF6C1CD5}"/>
+          </ac:spMkLst>
+        </pc:spChg>
+        <pc:spChg chg="mod">
+          <ac:chgData name="金 煜旋" userId="39322054f507fb48" providerId="LiveId" clId="{04B55878-766C-4F6A-B82C-60028102387E}" dt="2022-06-01T18:14:39.736" v="632" actId="1037"/>
+          <ac:spMkLst>
+            <pc:docMk/>
+            <pc:sldMk cId="3558512761" sldId="268"/>
+            <ac:spMk id="12" creationId="{7E923C1A-DA7E-1A81-E066-B4ABD342A5C7}"/>
+          </ac:spMkLst>
+        </pc:spChg>
+        <pc:graphicFrameChg chg="modGraphic">
+          <ac:chgData name="金 煜旋" userId="39322054f507fb48" providerId="LiveId" clId="{04B55878-766C-4F6A-B82C-60028102387E}" dt="2022-06-01T18:14:31.772" v="597" actId="113"/>
+          <ac:graphicFrameMkLst>
+            <pc:docMk/>
+            <pc:sldMk cId="3558512761" sldId="268"/>
+            <ac:graphicFrameMk id="9" creationId="{154B47A4-5BD1-9BAD-4BCC-C98B06DBF29F}"/>
+          </ac:graphicFrameMkLst>
+        </pc:graphicFrameChg>
+        <pc:cxnChg chg="mod">
+          <ac:chgData name="金 煜旋" userId="39322054f507fb48" providerId="LiveId" clId="{04B55878-766C-4F6A-B82C-60028102387E}" dt="2022-06-01T18:14:48.023" v="680" actId="1038"/>
+          <ac:cxnSpMkLst>
+            <pc:docMk/>
+            <pc:sldMk cId="3558512761" sldId="268"/>
+            <ac:cxnSpMk id="6" creationId="{FED0E57C-B905-B1F6-6890-0648F3A88DBB}"/>
+          </ac:cxnSpMkLst>
+        </pc:cxnChg>
+        <pc:cxnChg chg="mod">
+          <ac:chgData name="金 煜旋" userId="39322054f507fb48" providerId="LiveId" clId="{04B55878-766C-4F6A-B82C-60028102387E}" dt="2022-06-01T18:14:39.736" v="632" actId="1037"/>
+          <ac:cxnSpMkLst>
+            <pc:docMk/>
+            <pc:sldMk cId="3558512761" sldId="268"/>
+            <ac:cxnSpMk id="11" creationId="{BD671EC6-976C-075F-0897-48B1B7916F26}"/>
+          </ac:cxnSpMkLst>
+        </pc:cxnChg>
+      </pc:sldChg>
+    </pc:docChg>
+  </pc:docChgLst>
+</pc:chgInfo>
 </file>
 
 <file path=ppt/ink/ink1.xml><?xml version="1.0" encoding="utf-8"?>
@@ -425,7 +577,7 @@
           <a:p>
             <a:fld id="{08F35244-B8C4-4585-B9C2-6B920D5BC606}" type="datetimeFigureOut">
               <a:rPr kumimoji="1" lang="ja-JP" altLang="en-US" smtClean="0"/>
-              <a:t>2022/6/1</a:t>
+              <a:t>2022/6/2</a:t>
             </a:fld>
             <a:endParaRPr kumimoji="1" lang="ja-JP" altLang="en-US"/>
           </a:p>
@@ -655,7 +807,7 @@
           <a:p>
             <a:fld id="{08F35244-B8C4-4585-B9C2-6B920D5BC606}" type="datetimeFigureOut">
               <a:rPr kumimoji="1" lang="ja-JP" altLang="en-US" smtClean="0"/>
-              <a:t>2022/6/1</a:t>
+              <a:t>2022/6/2</a:t>
             </a:fld>
             <a:endParaRPr kumimoji="1" lang="ja-JP" altLang="en-US"/>
           </a:p>
@@ -895,7 +1047,7 @@
           <a:p>
             <a:fld id="{08F35244-B8C4-4585-B9C2-6B920D5BC606}" type="datetimeFigureOut">
               <a:rPr kumimoji="1" lang="ja-JP" altLang="en-US" smtClean="0"/>
-              <a:t>2022/6/1</a:t>
+              <a:t>2022/6/2</a:t>
             </a:fld>
             <a:endParaRPr kumimoji="1" lang="ja-JP" altLang="en-US"/>
           </a:p>
@@ -1125,7 +1277,7 @@
           <a:p>
             <a:fld id="{08F35244-B8C4-4585-B9C2-6B920D5BC606}" type="datetimeFigureOut">
               <a:rPr kumimoji="1" lang="ja-JP" altLang="en-US" smtClean="0"/>
-              <a:t>2022/6/1</a:t>
+              <a:t>2022/6/2</a:t>
             </a:fld>
             <a:endParaRPr kumimoji="1" lang="ja-JP" altLang="en-US"/>
           </a:p>
@@ -1400,7 +1552,7 @@
           <a:p>
             <a:fld id="{08F35244-B8C4-4585-B9C2-6B920D5BC606}" type="datetimeFigureOut">
               <a:rPr kumimoji="1" lang="ja-JP" altLang="en-US" smtClean="0"/>
-              <a:t>2022/6/1</a:t>
+              <a:t>2022/6/2</a:t>
             </a:fld>
             <a:endParaRPr kumimoji="1" lang="ja-JP" altLang="en-US"/>
           </a:p>
@@ -1729,7 +1881,7 @@
           <a:p>
             <a:fld id="{08F35244-B8C4-4585-B9C2-6B920D5BC606}" type="datetimeFigureOut">
               <a:rPr kumimoji="1" lang="ja-JP" altLang="en-US" smtClean="0"/>
-              <a:t>2022/6/1</a:t>
+              <a:t>2022/6/2</a:t>
             </a:fld>
             <a:endParaRPr kumimoji="1" lang="ja-JP" altLang="en-US"/>
           </a:p>
@@ -2205,7 +2357,7 @@
           <a:p>
             <a:fld id="{08F35244-B8C4-4585-B9C2-6B920D5BC606}" type="datetimeFigureOut">
               <a:rPr kumimoji="1" lang="ja-JP" altLang="en-US" smtClean="0"/>
-              <a:t>2022/6/1</a:t>
+              <a:t>2022/6/2</a:t>
             </a:fld>
             <a:endParaRPr kumimoji="1" lang="ja-JP" altLang="en-US"/>
           </a:p>
@@ -2346,7 +2498,7 @@
           <a:p>
             <a:fld id="{08F35244-B8C4-4585-B9C2-6B920D5BC606}" type="datetimeFigureOut">
               <a:rPr kumimoji="1" lang="ja-JP" altLang="en-US" smtClean="0"/>
-              <a:t>2022/6/1</a:t>
+              <a:t>2022/6/2</a:t>
             </a:fld>
             <a:endParaRPr kumimoji="1" lang="ja-JP" altLang="en-US"/>
           </a:p>
@@ -2459,7 +2611,7 @@
           <a:p>
             <a:fld id="{08F35244-B8C4-4585-B9C2-6B920D5BC606}" type="datetimeFigureOut">
               <a:rPr kumimoji="1" lang="ja-JP" altLang="en-US" smtClean="0"/>
-              <a:t>2022/6/1</a:t>
+              <a:t>2022/6/2</a:t>
             </a:fld>
             <a:endParaRPr kumimoji="1" lang="ja-JP" altLang="en-US"/>
           </a:p>
@@ -2802,7 +2954,7 @@
           <a:p>
             <a:fld id="{08F35244-B8C4-4585-B9C2-6B920D5BC606}" type="datetimeFigureOut">
               <a:rPr kumimoji="1" lang="ja-JP" altLang="en-US" smtClean="0"/>
-              <a:t>2022/6/1</a:t>
+              <a:t>2022/6/2</a:t>
             </a:fld>
             <a:endParaRPr kumimoji="1" lang="ja-JP" altLang="en-US"/>
           </a:p>
@@ -3090,7 +3242,7 @@
           <a:p>
             <a:fld id="{08F35244-B8C4-4585-B9C2-6B920D5BC606}" type="datetimeFigureOut">
               <a:rPr kumimoji="1" lang="ja-JP" altLang="en-US" smtClean="0"/>
-              <a:t>2022/6/1</a:t>
+              <a:t>2022/6/2</a:t>
             </a:fld>
             <a:endParaRPr kumimoji="1" lang="ja-JP" altLang="en-US"/>
           </a:p>
@@ -3363,7 +3515,7 @@
           <a:p>
             <a:fld id="{08F35244-B8C4-4585-B9C2-6B920D5BC606}" type="datetimeFigureOut">
               <a:rPr kumimoji="1" lang="ja-JP" altLang="en-US" smtClean="0"/>
-              <a:t>2022/6/1</a:t>
+              <a:t>2022/6/2</a:t>
             </a:fld>
             <a:endParaRPr kumimoji="1" lang="ja-JP" altLang="en-US"/>
           </a:p>
@@ -3856,7 +4008,7 @@
           <p:cNvPr id="2" name="タイトル 1">
             <a:extLst>
               <a:ext uri="{FF2B5EF4-FFF2-40B4-BE49-F238E27FC236}">
-                <a16:creationId xmlns:a16="http://schemas.microsoft.com/office/drawing/2014/main" id="{2BE74622-AA03-25B5-EC09-7788631B6208}"/>
+                <a16:creationId xmlns:a16="http://schemas.microsoft.com/office/drawing/2014/main" id="{B4542217-44B2-F1C4-36B6-27E8B924CAAE}"/>
               </a:ext>
             </a:extLst>
           </p:cNvPr>
@@ -3874,7 +4026,7 @@
           <a:p>
             <a:r>
               <a:rPr kumimoji="1" lang="ja-JP" altLang="en-US" dirty="0"/>
-              <a:t>他にやってみたこと</a:t>
+              <a:t>計算時間を短くしたい</a:t>
             </a:r>
           </a:p>
         </p:txBody>
@@ -3884,7 +4036,7 @@
           <p:cNvPr id="3" name="コンテンツ プレースホルダー 2">
             <a:extLst>
               <a:ext uri="{FF2B5EF4-FFF2-40B4-BE49-F238E27FC236}">
-                <a16:creationId xmlns:a16="http://schemas.microsoft.com/office/drawing/2014/main" id="{9BC092DA-FD8A-D672-7BA5-86571AF90E0B}"/>
+                <a16:creationId xmlns:a16="http://schemas.microsoft.com/office/drawing/2014/main" id="{D58C639E-ACE1-E0D9-4B37-5D57E7FEA1BC}"/>
               </a:ext>
             </a:extLst>
           </p:cNvPr>
@@ -3900,14 +4052,2200 @@
           <a:bodyPr/>
           <a:lstStyle/>
           <a:p>
-            <a:endParaRPr kumimoji="1" lang="ja-JP" altLang="en-US"/>
+            <a:r>
+              <a:rPr lang="en-US" altLang="ja-JP" dirty="0"/>
+              <a:t>v</a:t>
+            </a:r>
+            <a:r>
+              <a:rPr lang="ja-JP" altLang="en-US" dirty="0"/>
+              <a:t>が</a:t>
+            </a:r>
+            <a:r>
+              <a:rPr lang="en-US" altLang="ja-JP" dirty="0"/>
+              <a:t>target</a:t>
+            </a:r>
+            <a:r>
+              <a:rPr lang="ja-JP" altLang="en-US" dirty="0"/>
+              <a:t>でない場合は、</a:t>
+            </a:r>
+            <a:r>
+              <a:rPr lang="en-US" altLang="ja-JP" dirty="0"/>
+              <a:t>v</a:t>
+            </a:r>
+            <a:r>
+              <a:rPr lang="ja-JP" altLang="en-US" dirty="0"/>
+              <a:t>からたどれるリンク</a:t>
+            </a:r>
+            <a:r>
+              <a:rPr lang="en-US" altLang="ja-JP" dirty="0"/>
+              <a:t>(</a:t>
+            </a:r>
+            <a:r>
+              <a:rPr lang="en-US" altLang="ja-JP" dirty="0" err="1"/>
+              <a:t>v_follows</a:t>
+            </a:r>
+            <a:r>
+              <a:rPr lang="en-US" altLang="ja-JP" dirty="0"/>
+              <a:t>)</a:t>
+            </a:r>
+            <a:r>
+              <a:rPr lang="ja-JP" altLang="en-US" dirty="0"/>
+              <a:t>を調べる</a:t>
+            </a:r>
+            <a:endParaRPr lang="en-US" altLang="ja-JP" dirty="0"/>
+          </a:p>
+          <a:p>
+            <a:r>
+              <a:rPr kumimoji="1" lang="ja-JP" altLang="en-US" dirty="0"/>
+              <a:t>このとき、</a:t>
+            </a:r>
+            <a:r>
+              <a:rPr kumimoji="1" lang="en-US" altLang="ja-JP" dirty="0" err="1"/>
+              <a:t>v_follows</a:t>
+            </a:r>
+            <a:r>
+              <a:rPr kumimoji="1" lang="ja-JP" altLang="en-US" dirty="0"/>
+              <a:t>を全部</a:t>
+            </a:r>
+            <a:r>
+              <a:rPr kumimoji="1" lang="en-US" altLang="ja-JP" dirty="0"/>
+              <a:t>stack</a:t>
+            </a:r>
+            <a:r>
+              <a:rPr kumimoji="1" lang="ja-JP" altLang="en-US" dirty="0"/>
+              <a:t>に積んでから一個ずつ</a:t>
+            </a:r>
+            <a:r>
+              <a:rPr kumimoji="1" lang="en-US" altLang="ja-JP" dirty="0"/>
+              <a:t>pop</a:t>
+            </a:r>
+            <a:r>
+              <a:rPr kumimoji="1" lang="ja-JP" altLang="en-US" dirty="0"/>
+              <a:t>しながら調べるのではなく、</a:t>
+            </a:r>
+            <a:r>
+              <a:rPr kumimoji="1" lang="en-US" altLang="ja-JP" dirty="0"/>
+              <a:t>stack</a:t>
+            </a:r>
+            <a:r>
+              <a:rPr kumimoji="1" lang="ja-JP" altLang="en-US" dirty="0"/>
+              <a:t>に一個積んだらそれが</a:t>
+            </a:r>
+            <a:r>
+              <a:rPr kumimoji="1" lang="en-US" altLang="ja-JP" dirty="0"/>
+              <a:t>target</a:t>
+            </a:r>
+            <a:r>
+              <a:rPr kumimoji="1" lang="ja-JP" altLang="en-US" dirty="0"/>
+              <a:t>と一致するかを先に調べてから次のリンクを積む。</a:t>
+            </a:r>
+            <a:endParaRPr kumimoji="1" lang="en-US" altLang="ja-JP" dirty="0"/>
+          </a:p>
+          <a:p>
+            <a:r>
+              <a:rPr lang="ja-JP" altLang="en-US" dirty="0"/>
+              <a:t>一致する場合はそれ以降の作業はやらなくて済む。</a:t>
+            </a:r>
+            <a:endParaRPr kumimoji="1" lang="ja-JP" altLang="en-US" dirty="0"/>
           </a:p>
         </p:txBody>
       </p:sp>
     </p:spTree>
     <p:extLst>
       <p:ext uri="{BB962C8B-B14F-4D97-AF65-F5344CB8AC3E}">
-        <p14:creationId xmlns:p14="http://schemas.microsoft.com/office/powerpoint/2010/main" val="3355008040"/>
+        <p14:creationId xmlns:p14="http://schemas.microsoft.com/office/powerpoint/2010/main" val="583942414"/>
+      </p:ext>
+    </p:extLst>
+  </p:cSld>
+  <p:clrMapOvr>
+    <a:masterClrMapping/>
+  </p:clrMapOvr>
+</p:sld>
+</file>
+
+<file path=ppt/slides/slide11.xml><?xml version="1.0" encoding="utf-8"?>
+<p:sld xmlns:a="http://schemas.openxmlformats.org/drawingml/2006/main" xmlns:r="http://schemas.openxmlformats.org/officeDocument/2006/relationships" xmlns:p="http://schemas.openxmlformats.org/presentationml/2006/main">
+  <p:cSld>
+    <p:spTree>
+      <p:nvGrpSpPr>
+        <p:cNvPr id="1" name=""/>
+        <p:cNvGrpSpPr/>
+        <p:nvPr/>
+      </p:nvGrpSpPr>
+      <p:grpSpPr>
+        <a:xfrm>
+          <a:off x="0" y="0"/>
+          <a:ext cx="0" cy="0"/>
+          <a:chOff x="0" y="0"/>
+          <a:chExt cx="0" cy="0"/>
+        </a:xfrm>
+      </p:grpSpPr>
+      <p:sp>
+        <p:nvSpPr>
+          <p:cNvPr id="2" name="タイトル 1">
+            <a:extLst>
+              <a:ext uri="{FF2B5EF4-FFF2-40B4-BE49-F238E27FC236}">
+                <a16:creationId xmlns:a16="http://schemas.microsoft.com/office/drawing/2014/main" id="{E2EEAE49-0EFE-E442-1B02-62A52F4CA86E}"/>
+              </a:ext>
+            </a:extLst>
+          </p:cNvPr>
+          <p:cNvSpPr>
+            <a:spLocks noGrp="1"/>
+          </p:cNvSpPr>
+          <p:nvPr>
+            <p:ph type="title"/>
+          </p:nvPr>
+        </p:nvSpPr>
+        <p:spPr/>
+        <p:txBody>
+          <a:bodyPr/>
+          <a:lstStyle/>
+          <a:p>
+            <a:r>
+              <a:rPr lang="en-US" altLang="ja-JP" dirty="0"/>
+              <a:t>Google</a:t>
+            </a:r>
+            <a:r>
+              <a:rPr lang="en-US" altLang="ja-JP" sz="3600" dirty="0"/>
+              <a:t>(457783)</a:t>
+            </a:r>
+            <a:r>
+              <a:rPr lang="ja-JP" altLang="en-US" sz="3600" dirty="0"/>
+              <a:t> </a:t>
+            </a:r>
+            <a:r>
+              <a:rPr lang="en-US" altLang="ja-JP" dirty="0">
+                <a:sym typeface="Wingdings" panose="05000000000000000000" pitchFamily="2" charset="2"/>
+              </a:rPr>
+              <a:t></a:t>
+            </a:r>
+            <a:r>
+              <a:rPr lang="ja-JP" altLang="en-US" dirty="0">
+                <a:sym typeface="Wingdings" panose="05000000000000000000" pitchFamily="2" charset="2"/>
+              </a:rPr>
+              <a:t>アイスクリーム</a:t>
+            </a:r>
+            <a:r>
+              <a:rPr lang="en-US" altLang="ja-JP" sz="3600" dirty="0">
+                <a:sym typeface="Wingdings" panose="05000000000000000000" pitchFamily="2" charset="2"/>
+              </a:rPr>
+              <a:t>(13907)</a:t>
+            </a:r>
+            <a:endParaRPr kumimoji="1" lang="ja-JP" altLang="en-US" dirty="0"/>
+          </a:p>
+        </p:txBody>
+      </p:sp>
+      <p:sp>
+        <p:nvSpPr>
+          <p:cNvPr id="3" name="コンテンツ プレースホルダー 2">
+            <a:extLst>
+              <a:ext uri="{FF2B5EF4-FFF2-40B4-BE49-F238E27FC236}">
+                <a16:creationId xmlns:a16="http://schemas.microsoft.com/office/drawing/2014/main" id="{39E10BC7-345F-0266-269E-9F27B490CD86}"/>
+              </a:ext>
+            </a:extLst>
+          </p:cNvPr>
+          <p:cNvSpPr>
+            <a:spLocks noGrp="1"/>
+          </p:cNvSpPr>
+          <p:nvPr>
+            <p:ph idx="1"/>
+          </p:nvPr>
+        </p:nvSpPr>
+        <p:spPr>
+          <a:xfrm>
+            <a:off x="838200" y="1825625"/>
+            <a:ext cx="10515600" cy="1151509"/>
+          </a:xfrm>
+        </p:spPr>
+        <p:txBody>
+          <a:bodyPr/>
+          <a:lstStyle/>
+          <a:p>
+            <a:r>
+              <a:rPr kumimoji="1" lang="en-US" altLang="ja-JP" dirty="0"/>
+              <a:t>Pop </a:t>
+            </a:r>
+            <a:r>
+              <a:rPr lang="en-US" altLang="ja-JP" dirty="0"/>
+              <a:t>627560</a:t>
+            </a:r>
+            <a:r>
+              <a:rPr kumimoji="1" lang="en-US" altLang="ja-JP" dirty="0"/>
+              <a:t> </a:t>
+            </a:r>
+          </a:p>
+          <a:p>
+            <a:r>
+              <a:rPr kumimoji="1" lang="en-US" altLang="ja-JP" dirty="0"/>
+              <a:t>Links[‘627560’] = {’92’, ‘</a:t>
+            </a:r>
+            <a:r>
+              <a:rPr lang="en-US" altLang="ja-JP" dirty="0"/>
+              <a:t>1046</a:t>
+            </a:r>
+            <a:r>
+              <a:rPr kumimoji="1" lang="en-US" altLang="ja-JP" dirty="0"/>
+              <a:t>’, ‘9525’, ‘</a:t>
+            </a:r>
+            <a:r>
+              <a:rPr lang="en-US" altLang="ja-JP" dirty="0"/>
+              <a:t>13907</a:t>
+            </a:r>
+            <a:r>
+              <a:rPr kumimoji="1" lang="en-US" altLang="ja-JP" dirty="0"/>
+              <a:t>’, ‘</a:t>
+            </a:r>
+            <a:r>
+              <a:rPr lang="en-US" altLang="ja-JP" dirty="0"/>
+              <a:t>59309</a:t>
+            </a:r>
+            <a:r>
+              <a:rPr kumimoji="1" lang="en-US" altLang="ja-JP" dirty="0"/>
+              <a:t>’}</a:t>
+            </a:r>
+            <a:endParaRPr kumimoji="1" lang="ja-JP" altLang="en-US" dirty="0"/>
+          </a:p>
+          <a:p>
+            <a:endParaRPr kumimoji="1" lang="ja-JP" altLang="en-US" dirty="0"/>
+          </a:p>
+        </p:txBody>
+      </p:sp>
+      <p:graphicFrame>
+        <p:nvGraphicFramePr>
+          <p:cNvPr id="4" name="表 4">
+            <a:extLst>
+              <a:ext uri="{FF2B5EF4-FFF2-40B4-BE49-F238E27FC236}">
+                <a16:creationId xmlns:a16="http://schemas.microsoft.com/office/drawing/2014/main" id="{0E7E493C-20D7-926D-9540-3A87EBF54293}"/>
+              </a:ext>
+            </a:extLst>
+          </p:cNvPr>
+          <p:cNvGraphicFramePr>
+            <a:graphicFrameLocks noGrp="1"/>
+          </p:cNvGraphicFramePr>
+          <p:nvPr>
+            <p:extLst>
+              <p:ext uri="{D42A27DB-BD31-4B8C-83A1-F6EECF244321}">
+                <p14:modId xmlns:p14="http://schemas.microsoft.com/office/powerpoint/2010/main" val="2602689921"/>
+              </p:ext>
+            </p:extLst>
+          </p:nvPr>
+        </p:nvGraphicFramePr>
+        <p:xfrm>
+          <a:off x="1550349" y="2802120"/>
+          <a:ext cx="1584656" cy="4055880"/>
+        </p:xfrm>
+        <a:graphic>
+          <a:graphicData uri="http://schemas.openxmlformats.org/drawingml/2006/table">
+            <a:tbl>
+              <a:tblPr firstRow="1" bandRow="1">
+                <a:tableStyleId>{D27102A9-8310-4765-A935-A1911B00CA55}</a:tableStyleId>
+              </a:tblPr>
+              <a:tblGrid>
+                <a:gridCol w="1584656">
+                  <a:extLst>
+                    <a:ext uri="{9D8B030D-6E8A-4147-A177-3AD203B41FA5}">
+                      <a16:colId xmlns:a16="http://schemas.microsoft.com/office/drawing/2014/main" val="2402609884"/>
+                    </a:ext>
+                  </a:extLst>
+                </a:gridCol>
+              </a:tblGrid>
+              <a:tr h="405588">
+                <a:tc>
+                  <a:txBody>
+                    <a:bodyPr/>
+                    <a:lstStyle/>
+                    <a:p>
+                      <a:pPr algn="ctr"/>
+                      <a:endParaRPr kumimoji="1" lang="ja-JP" altLang="en-US" sz="2000" b="0" dirty="0"/>
+                    </a:p>
+                  </a:txBody>
+                  <a:tcPr/>
+                </a:tc>
+                <a:extLst>
+                  <a:ext uri="{0D108BD9-81ED-4DB2-BD59-A6C34878D82A}">
+                    <a16:rowId xmlns:a16="http://schemas.microsoft.com/office/drawing/2014/main" val="1329272768"/>
+                  </a:ext>
+                </a:extLst>
+              </a:tr>
+              <a:tr h="405588">
+                <a:tc>
+                  <a:txBody>
+                    <a:bodyPr/>
+                    <a:lstStyle/>
+                    <a:p>
+                      <a:pPr algn="ctr"/>
+                      <a:endParaRPr kumimoji="1" lang="ja-JP" altLang="en-US" sz="2000" b="0" dirty="0"/>
+                    </a:p>
+                  </a:txBody>
+                  <a:tcPr/>
+                </a:tc>
+                <a:extLst>
+                  <a:ext uri="{0D108BD9-81ED-4DB2-BD59-A6C34878D82A}">
+                    <a16:rowId xmlns:a16="http://schemas.microsoft.com/office/drawing/2014/main" val="889423567"/>
+                  </a:ext>
+                </a:extLst>
+              </a:tr>
+              <a:tr h="405588">
+                <a:tc>
+                  <a:txBody>
+                    <a:bodyPr/>
+                    <a:lstStyle/>
+                    <a:p>
+                      <a:pPr algn="ctr"/>
+                      <a:endParaRPr kumimoji="1" lang="ja-JP" altLang="en-US" sz="2000" dirty="0"/>
+                    </a:p>
+                  </a:txBody>
+                  <a:tcPr/>
+                </a:tc>
+                <a:extLst>
+                  <a:ext uri="{0D108BD9-81ED-4DB2-BD59-A6C34878D82A}">
+                    <a16:rowId xmlns:a16="http://schemas.microsoft.com/office/drawing/2014/main" val="2823926847"/>
+                  </a:ext>
+                </a:extLst>
+              </a:tr>
+              <a:tr h="405588">
+                <a:tc>
+                  <a:txBody>
+                    <a:bodyPr/>
+                    <a:lstStyle/>
+                    <a:p>
+                      <a:pPr algn="ctr"/>
+                      <a:r>
+                        <a:rPr kumimoji="1" lang="en-US" altLang="ja-JP" sz="2000" dirty="0"/>
+                        <a:t>13907</a:t>
+                      </a:r>
+                      <a:endParaRPr kumimoji="1" lang="ja-JP" altLang="en-US" sz="2000" dirty="0"/>
+                    </a:p>
+                  </a:txBody>
+                  <a:tcPr/>
+                </a:tc>
+                <a:extLst>
+                  <a:ext uri="{0D108BD9-81ED-4DB2-BD59-A6C34878D82A}">
+                    <a16:rowId xmlns:a16="http://schemas.microsoft.com/office/drawing/2014/main" val="2089868217"/>
+                  </a:ext>
+                </a:extLst>
+              </a:tr>
+              <a:tr h="405588">
+                <a:tc>
+                  <a:txBody>
+                    <a:bodyPr/>
+                    <a:lstStyle/>
+                    <a:p>
+                      <a:pPr algn="ctr"/>
+                      <a:r>
+                        <a:rPr kumimoji="1" lang="en-US" altLang="ja-JP" sz="2000" dirty="0"/>
+                        <a:t>92</a:t>
+                      </a:r>
+                      <a:endParaRPr kumimoji="1" lang="ja-JP" altLang="en-US" sz="2000" dirty="0"/>
+                    </a:p>
+                  </a:txBody>
+                  <a:tcPr/>
+                </a:tc>
+                <a:extLst>
+                  <a:ext uri="{0D108BD9-81ED-4DB2-BD59-A6C34878D82A}">
+                    <a16:rowId xmlns:a16="http://schemas.microsoft.com/office/drawing/2014/main" val="2644475257"/>
+                  </a:ext>
+                </a:extLst>
+              </a:tr>
+              <a:tr h="405588">
+                <a:tc>
+                  <a:txBody>
+                    <a:bodyPr/>
+                    <a:lstStyle/>
+                    <a:p>
+                      <a:pPr algn="ctr"/>
+                      <a:r>
+                        <a:rPr kumimoji="1" lang="en-US" altLang="ja-JP" sz="2000" strike="sngStrike" dirty="0"/>
+                        <a:t>627560</a:t>
+                      </a:r>
+                      <a:endParaRPr kumimoji="1" lang="ja-JP" altLang="en-US" sz="2000" strike="sngStrike" dirty="0"/>
+                    </a:p>
+                  </a:txBody>
+                  <a:tcPr/>
+                </a:tc>
+                <a:extLst>
+                  <a:ext uri="{0D108BD9-81ED-4DB2-BD59-A6C34878D82A}">
+                    <a16:rowId xmlns:a16="http://schemas.microsoft.com/office/drawing/2014/main" val="677988071"/>
+                  </a:ext>
+                </a:extLst>
+              </a:tr>
+              <a:tr h="405588">
+                <a:tc>
+                  <a:txBody>
+                    <a:bodyPr/>
+                    <a:lstStyle/>
+                    <a:p>
+                      <a:pPr algn="ctr"/>
+                      <a:r>
+                        <a:rPr kumimoji="1" lang="en-US" altLang="ja-JP" sz="2000" dirty="0"/>
+                        <a:t>154009</a:t>
+                      </a:r>
+                      <a:endParaRPr kumimoji="1" lang="ja-JP" altLang="en-US" sz="2000" dirty="0"/>
+                    </a:p>
+                  </a:txBody>
+                  <a:tcPr/>
+                </a:tc>
+                <a:extLst>
+                  <a:ext uri="{0D108BD9-81ED-4DB2-BD59-A6C34878D82A}">
+                    <a16:rowId xmlns:a16="http://schemas.microsoft.com/office/drawing/2014/main" val="1851660534"/>
+                  </a:ext>
+                </a:extLst>
+              </a:tr>
+              <a:tr h="405588">
+                <a:tc>
+                  <a:txBody>
+                    <a:bodyPr/>
+                    <a:lstStyle/>
+                    <a:p>
+                      <a:pPr algn="ctr"/>
+                      <a:r>
+                        <a:rPr kumimoji="1" lang="en-US" altLang="ja-JP" sz="2000" dirty="0"/>
+                        <a:t>30</a:t>
+                      </a:r>
+                      <a:endParaRPr kumimoji="1" lang="ja-JP" altLang="en-US" sz="2000" dirty="0"/>
+                    </a:p>
+                  </a:txBody>
+                  <a:tcPr/>
+                </a:tc>
+                <a:extLst>
+                  <a:ext uri="{0D108BD9-81ED-4DB2-BD59-A6C34878D82A}">
+                    <a16:rowId xmlns:a16="http://schemas.microsoft.com/office/drawing/2014/main" val="3817626143"/>
+                  </a:ext>
+                </a:extLst>
+              </a:tr>
+              <a:tr h="405588">
+                <a:tc>
+                  <a:txBody>
+                    <a:bodyPr/>
+                    <a:lstStyle/>
+                    <a:p>
+                      <a:pPr algn="ctr"/>
+                      <a:r>
+                        <a:rPr kumimoji="1" lang="en-US" altLang="ja-JP" sz="2000" dirty="0"/>
+                        <a:t>469744</a:t>
+                      </a:r>
+                      <a:endParaRPr kumimoji="1" lang="ja-JP" altLang="en-US" sz="2000" dirty="0"/>
+                    </a:p>
+                  </a:txBody>
+                  <a:tcPr/>
+                </a:tc>
+                <a:extLst>
+                  <a:ext uri="{0D108BD9-81ED-4DB2-BD59-A6C34878D82A}">
+                    <a16:rowId xmlns:a16="http://schemas.microsoft.com/office/drawing/2014/main" val="579776799"/>
+                  </a:ext>
+                </a:extLst>
+              </a:tr>
+              <a:tr h="405588">
+                <a:tc>
+                  <a:txBody>
+                    <a:bodyPr/>
+                    <a:lstStyle/>
+                    <a:p>
+                      <a:pPr algn="ctr"/>
+                      <a:r>
+                        <a:rPr kumimoji="1" lang="en-US" altLang="ja-JP" sz="2000" dirty="0"/>
+                        <a:t>3490</a:t>
+                      </a:r>
+                      <a:endParaRPr kumimoji="1" lang="ja-JP" altLang="en-US" sz="2000" dirty="0"/>
+                    </a:p>
+                  </a:txBody>
+                  <a:tcPr/>
+                </a:tc>
+                <a:extLst>
+                  <a:ext uri="{0D108BD9-81ED-4DB2-BD59-A6C34878D82A}">
+                    <a16:rowId xmlns:a16="http://schemas.microsoft.com/office/drawing/2014/main" val="1237880122"/>
+                  </a:ext>
+                </a:extLst>
+              </a:tr>
+            </a:tbl>
+          </a:graphicData>
+        </a:graphic>
+      </p:graphicFrame>
+      <p:graphicFrame>
+        <p:nvGraphicFramePr>
+          <p:cNvPr id="5" name="表 5">
+            <a:extLst>
+              <a:ext uri="{FF2B5EF4-FFF2-40B4-BE49-F238E27FC236}">
+                <a16:creationId xmlns:a16="http://schemas.microsoft.com/office/drawing/2014/main" id="{5DBB56D2-D5C6-81CC-909E-195F96A71293}"/>
+              </a:ext>
+            </a:extLst>
+          </p:cNvPr>
+          <p:cNvGraphicFramePr>
+            <a:graphicFrameLocks noGrp="1"/>
+          </p:cNvGraphicFramePr>
+          <p:nvPr>
+            <p:extLst>
+              <p:ext uri="{D42A27DB-BD31-4B8C-83A1-F6EECF244321}">
+                <p14:modId xmlns:p14="http://schemas.microsoft.com/office/powerpoint/2010/main" val="2262349979"/>
+              </p:ext>
+            </p:extLst>
+          </p:nvPr>
+        </p:nvGraphicFramePr>
+        <p:xfrm>
+          <a:off x="3664987" y="3562798"/>
+          <a:ext cx="7457944" cy="396240"/>
+        </p:xfrm>
+        <a:graphic>
+          <a:graphicData uri="http://schemas.openxmlformats.org/drawingml/2006/table">
+            <a:tbl>
+              <a:tblPr firstRow="1" bandRow="1">
+                <a:tableStyleId>{5DA37D80-6434-44D0-A028-1B22A696006F}</a:tableStyleId>
+              </a:tblPr>
+              <a:tblGrid>
+                <a:gridCol w="1043491">
+                  <a:extLst>
+                    <a:ext uri="{9D8B030D-6E8A-4147-A177-3AD203B41FA5}">
+                      <a16:colId xmlns:a16="http://schemas.microsoft.com/office/drawing/2014/main" val="1320084604"/>
+                    </a:ext>
+                  </a:extLst>
+                </a:gridCol>
+                <a:gridCol w="627797">
+                  <a:extLst>
+                    <a:ext uri="{9D8B030D-6E8A-4147-A177-3AD203B41FA5}">
+                      <a16:colId xmlns:a16="http://schemas.microsoft.com/office/drawing/2014/main" val="584980550"/>
+                    </a:ext>
+                  </a:extLst>
+                </a:gridCol>
+                <a:gridCol w="1125441">
+                  <a:extLst>
+                    <a:ext uri="{9D8B030D-6E8A-4147-A177-3AD203B41FA5}">
+                      <a16:colId xmlns:a16="http://schemas.microsoft.com/office/drawing/2014/main" val="898815073"/>
+                    </a:ext>
+                  </a:extLst>
+                </a:gridCol>
+                <a:gridCol w="932243">
+                  <a:extLst>
+                    <a:ext uri="{9D8B030D-6E8A-4147-A177-3AD203B41FA5}">
+                      <a16:colId xmlns:a16="http://schemas.microsoft.com/office/drawing/2014/main" val="2724787436"/>
+                    </a:ext>
+                  </a:extLst>
+                </a:gridCol>
+                <a:gridCol w="932243">
+                  <a:extLst>
+                    <a:ext uri="{9D8B030D-6E8A-4147-A177-3AD203B41FA5}">
+                      <a16:colId xmlns:a16="http://schemas.microsoft.com/office/drawing/2014/main" val="1726513891"/>
+                    </a:ext>
+                  </a:extLst>
+                </a:gridCol>
+                <a:gridCol w="932243">
+                  <a:extLst>
+                    <a:ext uri="{9D8B030D-6E8A-4147-A177-3AD203B41FA5}">
+                      <a16:colId xmlns:a16="http://schemas.microsoft.com/office/drawing/2014/main" val="3295496719"/>
+                    </a:ext>
+                  </a:extLst>
+                </a:gridCol>
+                <a:gridCol w="932243">
+                  <a:extLst>
+                    <a:ext uri="{9D8B030D-6E8A-4147-A177-3AD203B41FA5}">
+                      <a16:colId xmlns:a16="http://schemas.microsoft.com/office/drawing/2014/main" val="4215181507"/>
+                    </a:ext>
+                  </a:extLst>
+                </a:gridCol>
+                <a:gridCol w="932243">
+                  <a:extLst>
+                    <a:ext uri="{9D8B030D-6E8A-4147-A177-3AD203B41FA5}">
+                      <a16:colId xmlns:a16="http://schemas.microsoft.com/office/drawing/2014/main" val="65978038"/>
+                    </a:ext>
+                  </a:extLst>
+                </a:gridCol>
+              </a:tblGrid>
+              <a:tr h="370840">
+                <a:tc>
+                  <a:txBody>
+                    <a:bodyPr/>
+                    <a:lstStyle/>
+                    <a:p>
+                      <a:r>
+                        <a:rPr kumimoji="1" lang="en-US" altLang="ja-JP" sz="2000" b="0" dirty="0"/>
+                        <a:t>457783</a:t>
+                      </a:r>
+                      <a:endParaRPr kumimoji="1" lang="ja-JP" altLang="en-US" sz="2000" b="0" dirty="0"/>
+                    </a:p>
+                  </a:txBody>
+                  <a:tcPr/>
+                </a:tc>
+                <a:tc>
+                  <a:txBody>
+                    <a:bodyPr/>
+                    <a:lstStyle/>
+                    <a:p>
+                      <a:r>
+                        <a:rPr kumimoji="1" lang="en-US" altLang="ja-JP" sz="2000" b="0" dirty="0"/>
+                        <a:t>…</a:t>
+                      </a:r>
+                      <a:endParaRPr kumimoji="1" lang="ja-JP" altLang="en-US" sz="2000" b="0" dirty="0"/>
+                    </a:p>
+                  </a:txBody>
+                  <a:tcPr/>
+                </a:tc>
+                <a:tc>
+                  <a:txBody>
+                    <a:bodyPr/>
+                    <a:lstStyle/>
+                    <a:p>
+                      <a:r>
+                        <a:rPr kumimoji="1" lang="en-US" altLang="ja-JP" sz="2000" b="0" dirty="0"/>
+                        <a:t>627560</a:t>
+                      </a:r>
+                      <a:endParaRPr kumimoji="1" lang="ja-JP" altLang="en-US" sz="2000" b="0" dirty="0"/>
+                    </a:p>
+                  </a:txBody>
+                  <a:tcPr/>
+                </a:tc>
+                <a:tc>
+                  <a:txBody>
+                    <a:bodyPr/>
+                    <a:lstStyle/>
+                    <a:p>
+                      <a:r>
+                        <a:rPr kumimoji="1" lang="en-US" altLang="ja-JP" sz="2000" b="0" dirty="0"/>
+                        <a:t>92</a:t>
+                      </a:r>
+                      <a:endParaRPr kumimoji="1" lang="ja-JP" altLang="en-US" sz="2000" b="0" dirty="0"/>
+                    </a:p>
+                  </a:txBody>
+                  <a:tcPr/>
+                </a:tc>
+                <a:tc>
+                  <a:txBody>
+                    <a:bodyPr/>
+                    <a:lstStyle/>
+                    <a:p>
+                      <a:r>
+                        <a:rPr kumimoji="1" lang="en-US" altLang="ja-JP" sz="2000" b="0" dirty="0"/>
+                        <a:t>13907</a:t>
+                      </a:r>
+                      <a:endParaRPr kumimoji="1" lang="ja-JP" altLang="en-US" sz="2000" b="0" dirty="0"/>
+                    </a:p>
+                  </a:txBody>
+                  <a:tcPr/>
+                </a:tc>
+                <a:tc>
+                  <a:txBody>
+                    <a:bodyPr/>
+                    <a:lstStyle/>
+                    <a:p>
+                      <a:endParaRPr kumimoji="1" lang="ja-JP" altLang="en-US" sz="2000" b="0" dirty="0"/>
+                    </a:p>
+                  </a:txBody>
+                  <a:tcPr/>
+                </a:tc>
+                <a:tc>
+                  <a:txBody>
+                    <a:bodyPr/>
+                    <a:lstStyle/>
+                    <a:p>
+                      <a:endParaRPr kumimoji="1" lang="ja-JP" altLang="en-US" sz="2000" b="0" dirty="0"/>
+                    </a:p>
+                  </a:txBody>
+                  <a:tcPr/>
+                </a:tc>
+                <a:tc>
+                  <a:txBody>
+                    <a:bodyPr/>
+                    <a:lstStyle/>
+                    <a:p>
+                      <a:endParaRPr kumimoji="1" lang="ja-JP" altLang="en-US" sz="2000" b="0" dirty="0"/>
+                    </a:p>
+                  </a:txBody>
+                  <a:tcPr/>
+                </a:tc>
+                <a:extLst>
+                  <a:ext uri="{0D108BD9-81ED-4DB2-BD59-A6C34878D82A}">
+                    <a16:rowId xmlns:a16="http://schemas.microsoft.com/office/drawing/2014/main" val="605025616"/>
+                  </a:ext>
+                </a:extLst>
+              </a:tr>
+            </a:tbl>
+          </a:graphicData>
+        </a:graphic>
+      </p:graphicFrame>
+      <p:cxnSp>
+        <p:nvCxnSpPr>
+          <p:cNvPr id="6" name="直線矢印コネクタ 5">
+            <a:extLst>
+              <a:ext uri="{FF2B5EF4-FFF2-40B4-BE49-F238E27FC236}">
+                <a16:creationId xmlns:a16="http://schemas.microsoft.com/office/drawing/2014/main" id="{FED0E57C-B905-B1F6-6890-0648F3A88DBB}"/>
+              </a:ext>
+            </a:extLst>
+          </p:cNvPr>
+          <p:cNvCxnSpPr>
+            <a:cxnSpLocks/>
+          </p:cNvCxnSpPr>
+          <p:nvPr/>
+        </p:nvCxnSpPr>
+        <p:spPr>
+          <a:xfrm flipV="1">
+            <a:off x="3957850" y="4138685"/>
+            <a:ext cx="0" cy="337780"/>
+          </a:xfrm>
+          <a:prstGeom prst="straightConnector1">
+            <a:avLst/>
+          </a:prstGeom>
+          <a:ln>
+            <a:tailEnd type="triangle"/>
+          </a:ln>
+        </p:spPr>
+        <p:style>
+          <a:lnRef idx="1">
+            <a:schemeClr val="dk1"/>
+          </a:lnRef>
+          <a:fillRef idx="0">
+            <a:schemeClr val="dk1"/>
+          </a:fillRef>
+          <a:effectRef idx="0">
+            <a:schemeClr val="dk1"/>
+          </a:effectRef>
+          <a:fontRef idx="minor">
+            <a:schemeClr val="tx1"/>
+          </a:fontRef>
+        </p:style>
+      </p:cxnSp>
+      <p:sp>
+        <p:nvSpPr>
+          <p:cNvPr id="7" name="テキスト ボックス 6">
+            <a:extLst>
+              <a:ext uri="{FF2B5EF4-FFF2-40B4-BE49-F238E27FC236}">
+                <a16:creationId xmlns:a16="http://schemas.microsoft.com/office/drawing/2014/main" id="{7C0F0465-5457-E529-4DD8-EC80FF6C1CD5}"/>
+              </a:ext>
+            </a:extLst>
+          </p:cNvPr>
+          <p:cNvSpPr txBox="1"/>
+          <p:nvPr/>
+        </p:nvSpPr>
+        <p:spPr>
+          <a:xfrm>
+            <a:off x="3548417" y="4544702"/>
+            <a:ext cx="1132763" cy="369332"/>
+          </a:xfrm>
+          <a:prstGeom prst="rect">
+            <a:avLst/>
+          </a:prstGeom>
+          <a:noFill/>
+        </p:spPr>
+        <p:txBody>
+          <a:bodyPr wrap="square" rtlCol="0">
+            <a:spAutoFit/>
+          </a:bodyPr>
+          <a:lstStyle/>
+          <a:p>
+            <a:r>
+              <a:rPr kumimoji="1" lang="en-US" altLang="ja-JP" dirty="0"/>
+              <a:t>before</a:t>
+            </a:r>
+            <a:endParaRPr kumimoji="1" lang="ja-JP" altLang="en-US" dirty="0"/>
+          </a:p>
+        </p:txBody>
+      </p:sp>
+      <p:sp>
+        <p:nvSpPr>
+          <p:cNvPr id="8" name="テキスト ボックス 7">
+            <a:extLst>
+              <a:ext uri="{FF2B5EF4-FFF2-40B4-BE49-F238E27FC236}">
+                <a16:creationId xmlns:a16="http://schemas.microsoft.com/office/drawing/2014/main" id="{14DADDD5-8F6E-943C-A92D-CE2531B0C968}"/>
+              </a:ext>
+            </a:extLst>
+          </p:cNvPr>
+          <p:cNvSpPr txBox="1"/>
+          <p:nvPr/>
+        </p:nvSpPr>
+        <p:spPr>
+          <a:xfrm>
+            <a:off x="3897004" y="3108880"/>
+            <a:ext cx="2203545" cy="400110"/>
+          </a:xfrm>
+          <a:prstGeom prst="rect">
+            <a:avLst/>
+          </a:prstGeom>
+          <a:noFill/>
+        </p:spPr>
+        <p:txBody>
+          <a:bodyPr wrap="square" rtlCol="0">
+            <a:spAutoFit/>
+          </a:bodyPr>
+          <a:lstStyle/>
+          <a:p>
+            <a:r>
+              <a:rPr kumimoji="1" lang="en-US" altLang="ja-JP" sz="2000" dirty="0" err="1">
+                <a:solidFill>
+                  <a:schemeClr val="accent2"/>
+                </a:solidFill>
+              </a:rPr>
+              <a:t>append_order</a:t>
+            </a:r>
+            <a:endParaRPr kumimoji="1" lang="ja-JP" altLang="en-US" sz="2000" dirty="0">
+              <a:solidFill>
+                <a:schemeClr val="accent2"/>
+              </a:solidFill>
+            </a:endParaRPr>
+          </a:p>
+        </p:txBody>
+      </p:sp>
+      <p:graphicFrame>
+        <p:nvGraphicFramePr>
+          <p:cNvPr id="9" name="表 12">
+            <a:extLst>
+              <a:ext uri="{FF2B5EF4-FFF2-40B4-BE49-F238E27FC236}">
+                <a16:creationId xmlns:a16="http://schemas.microsoft.com/office/drawing/2014/main" id="{154B47A4-5BD1-9BAD-4BCC-C98B06DBF29F}"/>
+              </a:ext>
+            </a:extLst>
+          </p:cNvPr>
+          <p:cNvGraphicFramePr>
+            <a:graphicFrameLocks noGrp="1"/>
+          </p:cNvGraphicFramePr>
+          <p:nvPr/>
+        </p:nvGraphicFramePr>
+        <p:xfrm>
+          <a:off x="3903260" y="5773237"/>
+          <a:ext cx="6611772" cy="396240"/>
+        </p:xfrm>
+        <a:graphic>
+          <a:graphicData uri="http://schemas.openxmlformats.org/drawingml/2006/table">
+            <a:tbl>
+              <a:tblPr firstRow="1" bandRow="1">
+                <a:tableStyleId>{E8B1032C-EA38-4F05-BA0D-38AFFFC7BED3}</a:tableStyleId>
+              </a:tblPr>
+              <a:tblGrid>
+                <a:gridCol w="1101962">
+                  <a:extLst>
+                    <a:ext uri="{9D8B030D-6E8A-4147-A177-3AD203B41FA5}">
+                      <a16:colId xmlns:a16="http://schemas.microsoft.com/office/drawing/2014/main" val="1351855872"/>
+                    </a:ext>
+                  </a:extLst>
+                </a:gridCol>
+                <a:gridCol w="1101962">
+                  <a:extLst>
+                    <a:ext uri="{9D8B030D-6E8A-4147-A177-3AD203B41FA5}">
+                      <a16:colId xmlns:a16="http://schemas.microsoft.com/office/drawing/2014/main" val="587042078"/>
+                    </a:ext>
+                  </a:extLst>
+                </a:gridCol>
+                <a:gridCol w="1101962">
+                  <a:extLst>
+                    <a:ext uri="{9D8B030D-6E8A-4147-A177-3AD203B41FA5}">
+                      <a16:colId xmlns:a16="http://schemas.microsoft.com/office/drawing/2014/main" val="2535306426"/>
+                    </a:ext>
+                  </a:extLst>
+                </a:gridCol>
+                <a:gridCol w="1101962">
+                  <a:extLst>
+                    <a:ext uri="{9D8B030D-6E8A-4147-A177-3AD203B41FA5}">
+                      <a16:colId xmlns:a16="http://schemas.microsoft.com/office/drawing/2014/main" val="828344796"/>
+                    </a:ext>
+                  </a:extLst>
+                </a:gridCol>
+                <a:gridCol w="1101962">
+                  <a:extLst>
+                    <a:ext uri="{9D8B030D-6E8A-4147-A177-3AD203B41FA5}">
+                      <a16:colId xmlns:a16="http://schemas.microsoft.com/office/drawing/2014/main" val="2326115501"/>
+                    </a:ext>
+                  </a:extLst>
+                </a:gridCol>
+                <a:gridCol w="1101962">
+                  <a:extLst>
+                    <a:ext uri="{9D8B030D-6E8A-4147-A177-3AD203B41FA5}">
+                      <a16:colId xmlns:a16="http://schemas.microsoft.com/office/drawing/2014/main" val="2556809434"/>
+                    </a:ext>
+                  </a:extLst>
+                </a:gridCol>
+              </a:tblGrid>
+              <a:tr h="370840">
+                <a:tc>
+                  <a:txBody>
+                    <a:bodyPr/>
+                    <a:lstStyle/>
+                    <a:p>
+                      <a:r>
+                        <a:rPr kumimoji="1" lang="en-US" altLang="ja-JP" sz="2000" b="0" dirty="0"/>
+                        <a:t>457783</a:t>
+                      </a:r>
+                      <a:endParaRPr kumimoji="1" lang="ja-JP" altLang="en-US" b="0" dirty="0"/>
+                    </a:p>
+                  </a:txBody>
+                  <a:tcPr/>
+                </a:tc>
+                <a:tc>
+                  <a:txBody>
+                    <a:bodyPr/>
+                    <a:lstStyle/>
+                    <a:p>
+                      <a:r>
+                        <a:rPr kumimoji="1" lang="en-US" altLang="ja-JP" sz="2000" b="0" dirty="0"/>
+                        <a:t>627560</a:t>
+                      </a:r>
+                      <a:endParaRPr kumimoji="1" lang="ja-JP" altLang="en-US" b="0" dirty="0"/>
+                    </a:p>
+                  </a:txBody>
+                  <a:tcPr/>
+                </a:tc>
+                <a:tc>
+                  <a:txBody>
+                    <a:bodyPr/>
+                    <a:lstStyle/>
+                    <a:p>
+                      <a:endParaRPr kumimoji="1" lang="ja-JP" altLang="en-US"/>
+                    </a:p>
+                  </a:txBody>
+                  <a:tcPr/>
+                </a:tc>
+                <a:tc>
+                  <a:txBody>
+                    <a:bodyPr/>
+                    <a:lstStyle/>
+                    <a:p>
+                      <a:endParaRPr kumimoji="1" lang="ja-JP" altLang="en-US"/>
+                    </a:p>
+                  </a:txBody>
+                  <a:tcPr/>
+                </a:tc>
+                <a:tc>
+                  <a:txBody>
+                    <a:bodyPr/>
+                    <a:lstStyle/>
+                    <a:p>
+                      <a:endParaRPr kumimoji="1" lang="ja-JP" altLang="en-US"/>
+                    </a:p>
+                  </a:txBody>
+                  <a:tcPr/>
+                </a:tc>
+                <a:tc>
+                  <a:txBody>
+                    <a:bodyPr/>
+                    <a:lstStyle/>
+                    <a:p>
+                      <a:endParaRPr kumimoji="1" lang="ja-JP" altLang="en-US" dirty="0"/>
+                    </a:p>
+                  </a:txBody>
+                  <a:tcPr/>
+                </a:tc>
+                <a:extLst>
+                  <a:ext uri="{0D108BD9-81ED-4DB2-BD59-A6C34878D82A}">
+                    <a16:rowId xmlns:a16="http://schemas.microsoft.com/office/drawing/2014/main" val="401517684"/>
+                  </a:ext>
+                </a:extLst>
+              </a:tr>
+            </a:tbl>
+          </a:graphicData>
+        </a:graphic>
+      </p:graphicFrame>
+      <p:sp>
+        <p:nvSpPr>
+          <p:cNvPr id="10" name="テキスト ボックス 9">
+            <a:extLst>
+              <a:ext uri="{FF2B5EF4-FFF2-40B4-BE49-F238E27FC236}">
+                <a16:creationId xmlns:a16="http://schemas.microsoft.com/office/drawing/2014/main" id="{5F743C9C-B76A-7F01-4B6C-2A004EA4EC2E}"/>
+              </a:ext>
+            </a:extLst>
+          </p:cNvPr>
+          <p:cNvSpPr txBox="1"/>
+          <p:nvPr/>
+        </p:nvSpPr>
+        <p:spPr>
+          <a:xfrm>
+            <a:off x="3940220" y="5185622"/>
+            <a:ext cx="2203545" cy="400110"/>
+          </a:xfrm>
+          <a:prstGeom prst="rect">
+            <a:avLst/>
+          </a:prstGeom>
+          <a:noFill/>
+        </p:spPr>
+        <p:txBody>
+          <a:bodyPr wrap="square" rtlCol="0">
+            <a:spAutoFit/>
+          </a:bodyPr>
+          <a:lstStyle/>
+          <a:p>
+            <a:r>
+              <a:rPr kumimoji="1" lang="en-US" altLang="ja-JP" sz="2000" dirty="0">
+                <a:solidFill>
+                  <a:schemeClr val="accent6"/>
+                </a:solidFill>
+              </a:rPr>
+              <a:t>route</a:t>
+            </a:r>
+            <a:endParaRPr kumimoji="1" lang="ja-JP" altLang="en-US" sz="2000" dirty="0">
+              <a:solidFill>
+                <a:schemeClr val="accent6"/>
+              </a:solidFill>
+            </a:endParaRPr>
+          </a:p>
+        </p:txBody>
+      </p:sp>
+      <p:cxnSp>
+        <p:nvCxnSpPr>
+          <p:cNvPr id="11" name="直線矢印コネクタ 10">
+            <a:extLst>
+              <a:ext uri="{FF2B5EF4-FFF2-40B4-BE49-F238E27FC236}">
+                <a16:creationId xmlns:a16="http://schemas.microsoft.com/office/drawing/2014/main" id="{BD671EC6-976C-075F-0897-48B1B7916F26}"/>
+              </a:ext>
+            </a:extLst>
+          </p:cNvPr>
+          <p:cNvCxnSpPr>
+            <a:cxnSpLocks/>
+          </p:cNvCxnSpPr>
+          <p:nvPr/>
+        </p:nvCxnSpPr>
+        <p:spPr>
+          <a:xfrm flipV="1">
+            <a:off x="5911745" y="4138685"/>
+            <a:ext cx="0" cy="337780"/>
+          </a:xfrm>
+          <a:prstGeom prst="straightConnector1">
+            <a:avLst/>
+          </a:prstGeom>
+          <a:ln>
+            <a:tailEnd type="triangle"/>
+          </a:ln>
+        </p:spPr>
+        <p:style>
+          <a:lnRef idx="1">
+            <a:schemeClr val="dk1"/>
+          </a:lnRef>
+          <a:fillRef idx="0">
+            <a:schemeClr val="dk1"/>
+          </a:fillRef>
+          <a:effectRef idx="0">
+            <a:schemeClr val="dk1"/>
+          </a:effectRef>
+          <a:fontRef idx="minor">
+            <a:schemeClr val="tx1"/>
+          </a:fontRef>
+        </p:style>
+      </p:cxnSp>
+      <p:sp>
+        <p:nvSpPr>
+          <p:cNvPr id="12" name="テキスト ボックス 11">
+            <a:extLst>
+              <a:ext uri="{FF2B5EF4-FFF2-40B4-BE49-F238E27FC236}">
+                <a16:creationId xmlns:a16="http://schemas.microsoft.com/office/drawing/2014/main" id="{7E923C1A-DA7E-1A81-E066-B4ABD342A5C7}"/>
+              </a:ext>
+            </a:extLst>
+          </p:cNvPr>
+          <p:cNvSpPr txBox="1"/>
+          <p:nvPr/>
+        </p:nvSpPr>
+        <p:spPr>
+          <a:xfrm>
+            <a:off x="5584198" y="4473889"/>
+            <a:ext cx="1132763" cy="369332"/>
+          </a:xfrm>
+          <a:prstGeom prst="rect">
+            <a:avLst/>
+          </a:prstGeom>
+          <a:noFill/>
+        </p:spPr>
+        <p:txBody>
+          <a:bodyPr wrap="square" rtlCol="0">
+            <a:spAutoFit/>
+          </a:bodyPr>
+          <a:lstStyle/>
+          <a:p>
+            <a:r>
+              <a:rPr kumimoji="1" lang="en-US" altLang="ja-JP" dirty="0"/>
+              <a:t>after</a:t>
+            </a:r>
+            <a:endParaRPr kumimoji="1" lang="ja-JP" altLang="en-US" dirty="0"/>
+          </a:p>
+        </p:txBody>
+      </p:sp>
+      <p:sp>
+        <p:nvSpPr>
+          <p:cNvPr id="13" name="吹き出し: 角を丸めた四角形 12">
+            <a:extLst>
+              <a:ext uri="{FF2B5EF4-FFF2-40B4-BE49-F238E27FC236}">
+                <a16:creationId xmlns:a16="http://schemas.microsoft.com/office/drawing/2014/main" id="{26873F9E-7D3E-958B-B126-9268B00B5438}"/>
+              </a:ext>
+            </a:extLst>
+          </p:cNvPr>
+          <p:cNvSpPr/>
+          <p:nvPr/>
+        </p:nvSpPr>
+        <p:spPr>
+          <a:xfrm>
+            <a:off x="48811" y="2849098"/>
+            <a:ext cx="2104079" cy="1151509"/>
+          </a:xfrm>
+          <a:prstGeom prst="wedgeRoundRectCallout">
+            <a:avLst>
+              <a:gd name="adj1" fmla="val 42309"/>
+              <a:gd name="adj2" fmla="val 56705"/>
+              <a:gd name="adj3" fmla="val 16667"/>
+            </a:avLst>
+          </a:prstGeom>
+        </p:spPr>
+        <p:style>
+          <a:lnRef idx="2">
+            <a:schemeClr val="accent4"/>
+          </a:lnRef>
+          <a:fillRef idx="1">
+            <a:schemeClr val="lt1"/>
+          </a:fillRef>
+          <a:effectRef idx="0">
+            <a:schemeClr val="accent4"/>
+          </a:effectRef>
+          <a:fontRef idx="minor">
+            <a:schemeClr val="dk1"/>
+          </a:fontRef>
+        </p:style>
+        <p:txBody>
+          <a:bodyPr rtlCol="0" anchor="ctr"/>
+          <a:lstStyle/>
+          <a:p>
+            <a:pPr algn="ctr"/>
+            <a:r>
+              <a:rPr lang="en-US" altLang="ja-JP" dirty="0"/>
+              <a:t>t</a:t>
+            </a:r>
+            <a:r>
+              <a:rPr kumimoji="1" lang="en-US" altLang="ja-JP" dirty="0"/>
+              <a:t>arget</a:t>
+            </a:r>
+            <a:r>
+              <a:rPr kumimoji="1" lang="ja-JP" altLang="en-US" dirty="0"/>
+              <a:t>と一致するからこれ以上</a:t>
+            </a:r>
+            <a:r>
+              <a:rPr kumimoji="1" lang="en-US" altLang="ja-JP" dirty="0"/>
+              <a:t>stack</a:t>
+            </a:r>
+            <a:r>
+              <a:rPr kumimoji="1" lang="ja-JP" altLang="en-US" dirty="0"/>
+              <a:t>に積まない</a:t>
+            </a:r>
+          </a:p>
+        </p:txBody>
+      </p:sp>
+    </p:spTree>
+    <p:extLst>
+      <p:ext uri="{BB962C8B-B14F-4D97-AF65-F5344CB8AC3E}">
+        <p14:creationId xmlns:p14="http://schemas.microsoft.com/office/powerpoint/2010/main" val="1256167473"/>
+      </p:ext>
+    </p:extLst>
+  </p:cSld>
+  <p:clrMapOvr>
+    <a:masterClrMapping/>
+  </p:clrMapOvr>
+</p:sld>
+</file>
+
+<file path=ppt/slides/slide12.xml><?xml version="1.0" encoding="utf-8"?>
+<p:sld xmlns:a="http://schemas.openxmlformats.org/drawingml/2006/main" xmlns:r="http://schemas.openxmlformats.org/officeDocument/2006/relationships" xmlns:p="http://schemas.openxmlformats.org/presentationml/2006/main">
+  <p:cSld>
+    <p:spTree>
+      <p:nvGrpSpPr>
+        <p:cNvPr id="1" name=""/>
+        <p:cNvGrpSpPr/>
+        <p:nvPr/>
+      </p:nvGrpSpPr>
+      <p:grpSpPr>
+        <a:xfrm>
+          <a:off x="0" y="0"/>
+          <a:ext cx="0" cy="0"/>
+          <a:chOff x="0" y="0"/>
+          <a:chExt cx="0" cy="0"/>
+        </a:xfrm>
+      </p:grpSpPr>
+      <p:sp>
+        <p:nvSpPr>
+          <p:cNvPr id="2" name="タイトル 1">
+            <a:extLst>
+              <a:ext uri="{FF2B5EF4-FFF2-40B4-BE49-F238E27FC236}">
+                <a16:creationId xmlns:a16="http://schemas.microsoft.com/office/drawing/2014/main" id="{E2EEAE49-0EFE-E442-1B02-62A52F4CA86E}"/>
+              </a:ext>
+            </a:extLst>
+          </p:cNvPr>
+          <p:cNvSpPr>
+            <a:spLocks noGrp="1"/>
+          </p:cNvSpPr>
+          <p:nvPr>
+            <p:ph type="title"/>
+          </p:nvPr>
+        </p:nvSpPr>
+        <p:spPr/>
+        <p:txBody>
+          <a:bodyPr/>
+          <a:lstStyle/>
+          <a:p>
+            <a:r>
+              <a:rPr lang="en-US" altLang="ja-JP" dirty="0"/>
+              <a:t>Google</a:t>
+            </a:r>
+            <a:r>
+              <a:rPr lang="en-US" altLang="ja-JP" sz="3600" dirty="0"/>
+              <a:t>(457783)</a:t>
+            </a:r>
+            <a:r>
+              <a:rPr lang="ja-JP" altLang="en-US" sz="3600" dirty="0"/>
+              <a:t> </a:t>
+            </a:r>
+            <a:r>
+              <a:rPr lang="en-US" altLang="ja-JP" dirty="0">
+                <a:sym typeface="Wingdings" panose="05000000000000000000" pitchFamily="2" charset="2"/>
+              </a:rPr>
+              <a:t></a:t>
+            </a:r>
+            <a:r>
+              <a:rPr lang="ja-JP" altLang="en-US" dirty="0">
+                <a:sym typeface="Wingdings" panose="05000000000000000000" pitchFamily="2" charset="2"/>
+              </a:rPr>
+              <a:t>アイスクリーム</a:t>
+            </a:r>
+            <a:r>
+              <a:rPr lang="en-US" altLang="ja-JP" sz="3600" dirty="0">
+                <a:sym typeface="Wingdings" panose="05000000000000000000" pitchFamily="2" charset="2"/>
+              </a:rPr>
+              <a:t>(13907)</a:t>
+            </a:r>
+            <a:endParaRPr kumimoji="1" lang="ja-JP" altLang="en-US" dirty="0"/>
+          </a:p>
+        </p:txBody>
+      </p:sp>
+      <p:sp>
+        <p:nvSpPr>
+          <p:cNvPr id="3" name="コンテンツ プレースホルダー 2">
+            <a:extLst>
+              <a:ext uri="{FF2B5EF4-FFF2-40B4-BE49-F238E27FC236}">
+                <a16:creationId xmlns:a16="http://schemas.microsoft.com/office/drawing/2014/main" id="{39E10BC7-345F-0266-269E-9F27B490CD86}"/>
+              </a:ext>
+            </a:extLst>
+          </p:cNvPr>
+          <p:cNvSpPr>
+            <a:spLocks noGrp="1"/>
+          </p:cNvSpPr>
+          <p:nvPr>
+            <p:ph idx="1"/>
+          </p:nvPr>
+        </p:nvSpPr>
+        <p:spPr>
+          <a:xfrm>
+            <a:off x="838200" y="1825625"/>
+            <a:ext cx="10515600" cy="1151509"/>
+          </a:xfrm>
+        </p:spPr>
+        <p:txBody>
+          <a:bodyPr/>
+          <a:lstStyle/>
+          <a:p>
+            <a:r>
+              <a:rPr kumimoji="1" lang="en-US" altLang="ja-JP" dirty="0"/>
+              <a:t>Pop 13907 </a:t>
+            </a:r>
+            <a:endParaRPr kumimoji="1" lang="ja-JP" altLang="en-US" dirty="0"/>
+          </a:p>
+          <a:p>
+            <a:endParaRPr kumimoji="1" lang="ja-JP" altLang="en-US" dirty="0"/>
+          </a:p>
+        </p:txBody>
+      </p:sp>
+      <p:graphicFrame>
+        <p:nvGraphicFramePr>
+          <p:cNvPr id="4" name="表 4">
+            <a:extLst>
+              <a:ext uri="{FF2B5EF4-FFF2-40B4-BE49-F238E27FC236}">
+                <a16:creationId xmlns:a16="http://schemas.microsoft.com/office/drawing/2014/main" id="{0E7E493C-20D7-926D-9540-3A87EBF54293}"/>
+              </a:ext>
+            </a:extLst>
+          </p:cNvPr>
+          <p:cNvGraphicFramePr>
+            <a:graphicFrameLocks noGrp="1"/>
+          </p:cNvGraphicFramePr>
+          <p:nvPr/>
+        </p:nvGraphicFramePr>
+        <p:xfrm>
+          <a:off x="1550349" y="2802120"/>
+          <a:ext cx="1584656" cy="4055880"/>
+        </p:xfrm>
+        <a:graphic>
+          <a:graphicData uri="http://schemas.openxmlformats.org/drawingml/2006/table">
+            <a:tbl>
+              <a:tblPr firstRow="1" bandRow="1">
+                <a:tableStyleId>{D27102A9-8310-4765-A935-A1911B00CA55}</a:tableStyleId>
+              </a:tblPr>
+              <a:tblGrid>
+                <a:gridCol w="1584656">
+                  <a:extLst>
+                    <a:ext uri="{9D8B030D-6E8A-4147-A177-3AD203B41FA5}">
+                      <a16:colId xmlns:a16="http://schemas.microsoft.com/office/drawing/2014/main" val="2402609884"/>
+                    </a:ext>
+                  </a:extLst>
+                </a:gridCol>
+              </a:tblGrid>
+              <a:tr h="405588">
+                <a:tc>
+                  <a:txBody>
+                    <a:bodyPr/>
+                    <a:lstStyle/>
+                    <a:p>
+                      <a:pPr algn="ctr"/>
+                      <a:endParaRPr kumimoji="1" lang="ja-JP" altLang="en-US" sz="2000" b="0" dirty="0"/>
+                    </a:p>
+                  </a:txBody>
+                  <a:tcPr/>
+                </a:tc>
+                <a:extLst>
+                  <a:ext uri="{0D108BD9-81ED-4DB2-BD59-A6C34878D82A}">
+                    <a16:rowId xmlns:a16="http://schemas.microsoft.com/office/drawing/2014/main" val="1329272768"/>
+                  </a:ext>
+                </a:extLst>
+              </a:tr>
+              <a:tr h="405588">
+                <a:tc>
+                  <a:txBody>
+                    <a:bodyPr/>
+                    <a:lstStyle/>
+                    <a:p>
+                      <a:pPr algn="ctr"/>
+                      <a:endParaRPr kumimoji="1" lang="ja-JP" altLang="en-US" sz="2000" b="0" dirty="0"/>
+                    </a:p>
+                  </a:txBody>
+                  <a:tcPr/>
+                </a:tc>
+                <a:extLst>
+                  <a:ext uri="{0D108BD9-81ED-4DB2-BD59-A6C34878D82A}">
+                    <a16:rowId xmlns:a16="http://schemas.microsoft.com/office/drawing/2014/main" val="889423567"/>
+                  </a:ext>
+                </a:extLst>
+              </a:tr>
+              <a:tr h="405588">
+                <a:tc>
+                  <a:txBody>
+                    <a:bodyPr/>
+                    <a:lstStyle/>
+                    <a:p>
+                      <a:pPr algn="ctr"/>
+                      <a:endParaRPr kumimoji="1" lang="ja-JP" altLang="en-US" sz="2000" dirty="0"/>
+                    </a:p>
+                  </a:txBody>
+                  <a:tcPr/>
+                </a:tc>
+                <a:extLst>
+                  <a:ext uri="{0D108BD9-81ED-4DB2-BD59-A6C34878D82A}">
+                    <a16:rowId xmlns:a16="http://schemas.microsoft.com/office/drawing/2014/main" val="2823926847"/>
+                  </a:ext>
+                </a:extLst>
+              </a:tr>
+              <a:tr h="405588">
+                <a:tc>
+                  <a:txBody>
+                    <a:bodyPr/>
+                    <a:lstStyle/>
+                    <a:p>
+                      <a:pPr algn="ctr"/>
+                      <a:r>
+                        <a:rPr kumimoji="1" lang="en-US" altLang="ja-JP" sz="2000" dirty="0"/>
+                        <a:t>13907</a:t>
+                      </a:r>
+                      <a:endParaRPr kumimoji="1" lang="ja-JP" altLang="en-US" sz="2000" dirty="0"/>
+                    </a:p>
+                  </a:txBody>
+                  <a:tcPr/>
+                </a:tc>
+                <a:extLst>
+                  <a:ext uri="{0D108BD9-81ED-4DB2-BD59-A6C34878D82A}">
+                    <a16:rowId xmlns:a16="http://schemas.microsoft.com/office/drawing/2014/main" val="2089868217"/>
+                  </a:ext>
+                </a:extLst>
+              </a:tr>
+              <a:tr h="405588">
+                <a:tc>
+                  <a:txBody>
+                    <a:bodyPr/>
+                    <a:lstStyle/>
+                    <a:p>
+                      <a:pPr algn="ctr"/>
+                      <a:r>
+                        <a:rPr kumimoji="1" lang="en-US" altLang="ja-JP" sz="2000" dirty="0"/>
+                        <a:t>92</a:t>
+                      </a:r>
+                      <a:endParaRPr kumimoji="1" lang="ja-JP" altLang="en-US" sz="2000" dirty="0"/>
+                    </a:p>
+                  </a:txBody>
+                  <a:tcPr/>
+                </a:tc>
+                <a:extLst>
+                  <a:ext uri="{0D108BD9-81ED-4DB2-BD59-A6C34878D82A}">
+                    <a16:rowId xmlns:a16="http://schemas.microsoft.com/office/drawing/2014/main" val="2644475257"/>
+                  </a:ext>
+                </a:extLst>
+              </a:tr>
+              <a:tr h="405588">
+                <a:tc>
+                  <a:txBody>
+                    <a:bodyPr/>
+                    <a:lstStyle/>
+                    <a:p>
+                      <a:pPr algn="ctr"/>
+                      <a:r>
+                        <a:rPr kumimoji="1" lang="en-US" altLang="ja-JP" sz="2000" strike="sngStrike" dirty="0"/>
+                        <a:t>627560</a:t>
+                      </a:r>
+                      <a:endParaRPr kumimoji="1" lang="ja-JP" altLang="en-US" sz="2000" strike="sngStrike" dirty="0"/>
+                    </a:p>
+                  </a:txBody>
+                  <a:tcPr/>
+                </a:tc>
+                <a:extLst>
+                  <a:ext uri="{0D108BD9-81ED-4DB2-BD59-A6C34878D82A}">
+                    <a16:rowId xmlns:a16="http://schemas.microsoft.com/office/drawing/2014/main" val="677988071"/>
+                  </a:ext>
+                </a:extLst>
+              </a:tr>
+              <a:tr h="405588">
+                <a:tc>
+                  <a:txBody>
+                    <a:bodyPr/>
+                    <a:lstStyle/>
+                    <a:p>
+                      <a:pPr algn="ctr"/>
+                      <a:r>
+                        <a:rPr kumimoji="1" lang="en-US" altLang="ja-JP" sz="2000" dirty="0"/>
+                        <a:t>154009</a:t>
+                      </a:r>
+                      <a:endParaRPr kumimoji="1" lang="ja-JP" altLang="en-US" sz="2000" dirty="0"/>
+                    </a:p>
+                  </a:txBody>
+                  <a:tcPr/>
+                </a:tc>
+                <a:extLst>
+                  <a:ext uri="{0D108BD9-81ED-4DB2-BD59-A6C34878D82A}">
+                    <a16:rowId xmlns:a16="http://schemas.microsoft.com/office/drawing/2014/main" val="1851660534"/>
+                  </a:ext>
+                </a:extLst>
+              </a:tr>
+              <a:tr h="405588">
+                <a:tc>
+                  <a:txBody>
+                    <a:bodyPr/>
+                    <a:lstStyle/>
+                    <a:p>
+                      <a:pPr algn="ctr"/>
+                      <a:r>
+                        <a:rPr kumimoji="1" lang="en-US" altLang="ja-JP" sz="2000" dirty="0"/>
+                        <a:t>30</a:t>
+                      </a:r>
+                      <a:endParaRPr kumimoji="1" lang="ja-JP" altLang="en-US" sz="2000" dirty="0"/>
+                    </a:p>
+                  </a:txBody>
+                  <a:tcPr/>
+                </a:tc>
+                <a:extLst>
+                  <a:ext uri="{0D108BD9-81ED-4DB2-BD59-A6C34878D82A}">
+                    <a16:rowId xmlns:a16="http://schemas.microsoft.com/office/drawing/2014/main" val="3817626143"/>
+                  </a:ext>
+                </a:extLst>
+              </a:tr>
+              <a:tr h="405588">
+                <a:tc>
+                  <a:txBody>
+                    <a:bodyPr/>
+                    <a:lstStyle/>
+                    <a:p>
+                      <a:pPr algn="ctr"/>
+                      <a:r>
+                        <a:rPr kumimoji="1" lang="en-US" altLang="ja-JP" sz="2000" dirty="0"/>
+                        <a:t>469744</a:t>
+                      </a:r>
+                      <a:endParaRPr kumimoji="1" lang="ja-JP" altLang="en-US" sz="2000" dirty="0"/>
+                    </a:p>
+                  </a:txBody>
+                  <a:tcPr/>
+                </a:tc>
+                <a:extLst>
+                  <a:ext uri="{0D108BD9-81ED-4DB2-BD59-A6C34878D82A}">
+                    <a16:rowId xmlns:a16="http://schemas.microsoft.com/office/drawing/2014/main" val="579776799"/>
+                  </a:ext>
+                </a:extLst>
+              </a:tr>
+              <a:tr h="405588">
+                <a:tc>
+                  <a:txBody>
+                    <a:bodyPr/>
+                    <a:lstStyle/>
+                    <a:p>
+                      <a:pPr algn="ctr"/>
+                      <a:r>
+                        <a:rPr kumimoji="1" lang="en-US" altLang="ja-JP" sz="2000" dirty="0"/>
+                        <a:t>3490</a:t>
+                      </a:r>
+                      <a:endParaRPr kumimoji="1" lang="ja-JP" altLang="en-US" sz="2000" dirty="0"/>
+                    </a:p>
+                  </a:txBody>
+                  <a:tcPr/>
+                </a:tc>
+                <a:extLst>
+                  <a:ext uri="{0D108BD9-81ED-4DB2-BD59-A6C34878D82A}">
+                    <a16:rowId xmlns:a16="http://schemas.microsoft.com/office/drawing/2014/main" val="1237880122"/>
+                  </a:ext>
+                </a:extLst>
+              </a:tr>
+            </a:tbl>
+          </a:graphicData>
+        </a:graphic>
+      </p:graphicFrame>
+      <p:graphicFrame>
+        <p:nvGraphicFramePr>
+          <p:cNvPr id="5" name="表 5">
+            <a:extLst>
+              <a:ext uri="{FF2B5EF4-FFF2-40B4-BE49-F238E27FC236}">
+                <a16:creationId xmlns:a16="http://schemas.microsoft.com/office/drawing/2014/main" id="{5DBB56D2-D5C6-81CC-909E-195F96A71293}"/>
+              </a:ext>
+            </a:extLst>
+          </p:cNvPr>
+          <p:cNvGraphicFramePr>
+            <a:graphicFrameLocks noGrp="1"/>
+          </p:cNvGraphicFramePr>
+          <p:nvPr/>
+        </p:nvGraphicFramePr>
+        <p:xfrm>
+          <a:off x="3664987" y="3562798"/>
+          <a:ext cx="7457944" cy="396240"/>
+        </p:xfrm>
+        <a:graphic>
+          <a:graphicData uri="http://schemas.openxmlformats.org/drawingml/2006/table">
+            <a:tbl>
+              <a:tblPr firstRow="1" bandRow="1">
+                <a:tableStyleId>{5DA37D80-6434-44D0-A028-1B22A696006F}</a:tableStyleId>
+              </a:tblPr>
+              <a:tblGrid>
+                <a:gridCol w="1043491">
+                  <a:extLst>
+                    <a:ext uri="{9D8B030D-6E8A-4147-A177-3AD203B41FA5}">
+                      <a16:colId xmlns:a16="http://schemas.microsoft.com/office/drawing/2014/main" val="1320084604"/>
+                    </a:ext>
+                  </a:extLst>
+                </a:gridCol>
+                <a:gridCol w="627797">
+                  <a:extLst>
+                    <a:ext uri="{9D8B030D-6E8A-4147-A177-3AD203B41FA5}">
+                      <a16:colId xmlns:a16="http://schemas.microsoft.com/office/drawing/2014/main" val="584980550"/>
+                    </a:ext>
+                  </a:extLst>
+                </a:gridCol>
+                <a:gridCol w="1125441">
+                  <a:extLst>
+                    <a:ext uri="{9D8B030D-6E8A-4147-A177-3AD203B41FA5}">
+                      <a16:colId xmlns:a16="http://schemas.microsoft.com/office/drawing/2014/main" val="898815073"/>
+                    </a:ext>
+                  </a:extLst>
+                </a:gridCol>
+                <a:gridCol w="932243">
+                  <a:extLst>
+                    <a:ext uri="{9D8B030D-6E8A-4147-A177-3AD203B41FA5}">
+                      <a16:colId xmlns:a16="http://schemas.microsoft.com/office/drawing/2014/main" val="2724787436"/>
+                    </a:ext>
+                  </a:extLst>
+                </a:gridCol>
+                <a:gridCol w="932243">
+                  <a:extLst>
+                    <a:ext uri="{9D8B030D-6E8A-4147-A177-3AD203B41FA5}">
+                      <a16:colId xmlns:a16="http://schemas.microsoft.com/office/drawing/2014/main" val="1726513891"/>
+                    </a:ext>
+                  </a:extLst>
+                </a:gridCol>
+                <a:gridCol w="932243">
+                  <a:extLst>
+                    <a:ext uri="{9D8B030D-6E8A-4147-A177-3AD203B41FA5}">
+                      <a16:colId xmlns:a16="http://schemas.microsoft.com/office/drawing/2014/main" val="3295496719"/>
+                    </a:ext>
+                  </a:extLst>
+                </a:gridCol>
+                <a:gridCol w="932243">
+                  <a:extLst>
+                    <a:ext uri="{9D8B030D-6E8A-4147-A177-3AD203B41FA5}">
+                      <a16:colId xmlns:a16="http://schemas.microsoft.com/office/drawing/2014/main" val="4215181507"/>
+                    </a:ext>
+                  </a:extLst>
+                </a:gridCol>
+                <a:gridCol w="932243">
+                  <a:extLst>
+                    <a:ext uri="{9D8B030D-6E8A-4147-A177-3AD203B41FA5}">
+                      <a16:colId xmlns:a16="http://schemas.microsoft.com/office/drawing/2014/main" val="65978038"/>
+                    </a:ext>
+                  </a:extLst>
+                </a:gridCol>
+              </a:tblGrid>
+              <a:tr h="370840">
+                <a:tc>
+                  <a:txBody>
+                    <a:bodyPr/>
+                    <a:lstStyle/>
+                    <a:p>
+                      <a:r>
+                        <a:rPr kumimoji="1" lang="en-US" altLang="ja-JP" sz="2000" b="0" dirty="0"/>
+                        <a:t>457783</a:t>
+                      </a:r>
+                      <a:endParaRPr kumimoji="1" lang="ja-JP" altLang="en-US" sz="2000" b="0" dirty="0"/>
+                    </a:p>
+                  </a:txBody>
+                  <a:tcPr/>
+                </a:tc>
+                <a:tc>
+                  <a:txBody>
+                    <a:bodyPr/>
+                    <a:lstStyle/>
+                    <a:p>
+                      <a:r>
+                        <a:rPr kumimoji="1" lang="en-US" altLang="ja-JP" sz="2000" b="0" dirty="0"/>
+                        <a:t>…</a:t>
+                      </a:r>
+                      <a:endParaRPr kumimoji="1" lang="ja-JP" altLang="en-US" sz="2000" b="0" dirty="0"/>
+                    </a:p>
+                  </a:txBody>
+                  <a:tcPr/>
+                </a:tc>
+                <a:tc>
+                  <a:txBody>
+                    <a:bodyPr/>
+                    <a:lstStyle/>
+                    <a:p>
+                      <a:r>
+                        <a:rPr kumimoji="1" lang="en-US" altLang="ja-JP" sz="2000" b="0" dirty="0"/>
+                        <a:t>627560</a:t>
+                      </a:r>
+                      <a:endParaRPr kumimoji="1" lang="ja-JP" altLang="en-US" sz="2000" b="0" dirty="0"/>
+                    </a:p>
+                  </a:txBody>
+                  <a:tcPr/>
+                </a:tc>
+                <a:tc>
+                  <a:txBody>
+                    <a:bodyPr/>
+                    <a:lstStyle/>
+                    <a:p>
+                      <a:r>
+                        <a:rPr kumimoji="1" lang="en-US" altLang="ja-JP" sz="2000" b="0" dirty="0"/>
+                        <a:t>92</a:t>
+                      </a:r>
+                      <a:endParaRPr kumimoji="1" lang="ja-JP" altLang="en-US" sz="2000" b="0" dirty="0"/>
+                    </a:p>
+                  </a:txBody>
+                  <a:tcPr/>
+                </a:tc>
+                <a:tc>
+                  <a:txBody>
+                    <a:bodyPr/>
+                    <a:lstStyle/>
+                    <a:p>
+                      <a:r>
+                        <a:rPr kumimoji="1" lang="en-US" altLang="ja-JP" sz="2000" b="0" dirty="0"/>
+                        <a:t>13907</a:t>
+                      </a:r>
+                      <a:endParaRPr kumimoji="1" lang="ja-JP" altLang="en-US" sz="2000" b="0" dirty="0"/>
+                    </a:p>
+                  </a:txBody>
+                  <a:tcPr/>
+                </a:tc>
+                <a:tc>
+                  <a:txBody>
+                    <a:bodyPr/>
+                    <a:lstStyle/>
+                    <a:p>
+                      <a:endParaRPr kumimoji="1" lang="ja-JP" altLang="en-US" sz="2000" b="0" dirty="0"/>
+                    </a:p>
+                  </a:txBody>
+                  <a:tcPr/>
+                </a:tc>
+                <a:tc>
+                  <a:txBody>
+                    <a:bodyPr/>
+                    <a:lstStyle/>
+                    <a:p>
+                      <a:endParaRPr kumimoji="1" lang="ja-JP" altLang="en-US" sz="2000" b="0" dirty="0"/>
+                    </a:p>
+                  </a:txBody>
+                  <a:tcPr/>
+                </a:tc>
+                <a:tc>
+                  <a:txBody>
+                    <a:bodyPr/>
+                    <a:lstStyle/>
+                    <a:p>
+                      <a:endParaRPr kumimoji="1" lang="ja-JP" altLang="en-US" sz="2000" b="0" dirty="0"/>
+                    </a:p>
+                  </a:txBody>
+                  <a:tcPr/>
+                </a:tc>
+                <a:extLst>
+                  <a:ext uri="{0D108BD9-81ED-4DB2-BD59-A6C34878D82A}">
+                    <a16:rowId xmlns:a16="http://schemas.microsoft.com/office/drawing/2014/main" val="605025616"/>
+                  </a:ext>
+                </a:extLst>
+              </a:tr>
+            </a:tbl>
+          </a:graphicData>
+        </a:graphic>
+      </p:graphicFrame>
+      <p:cxnSp>
+        <p:nvCxnSpPr>
+          <p:cNvPr id="6" name="直線矢印コネクタ 5">
+            <a:extLst>
+              <a:ext uri="{FF2B5EF4-FFF2-40B4-BE49-F238E27FC236}">
+                <a16:creationId xmlns:a16="http://schemas.microsoft.com/office/drawing/2014/main" id="{FED0E57C-B905-B1F6-6890-0648F3A88DBB}"/>
+              </a:ext>
+            </a:extLst>
+          </p:cNvPr>
+          <p:cNvCxnSpPr>
+            <a:cxnSpLocks/>
+          </p:cNvCxnSpPr>
+          <p:nvPr/>
+        </p:nvCxnSpPr>
+        <p:spPr>
+          <a:xfrm flipV="1">
+            <a:off x="5902398" y="4138685"/>
+            <a:ext cx="0" cy="337780"/>
+          </a:xfrm>
+          <a:prstGeom prst="straightConnector1">
+            <a:avLst/>
+          </a:prstGeom>
+          <a:ln>
+            <a:tailEnd type="triangle"/>
+          </a:ln>
+        </p:spPr>
+        <p:style>
+          <a:lnRef idx="1">
+            <a:schemeClr val="dk1"/>
+          </a:lnRef>
+          <a:fillRef idx="0">
+            <a:schemeClr val="dk1"/>
+          </a:fillRef>
+          <a:effectRef idx="0">
+            <a:schemeClr val="dk1"/>
+          </a:effectRef>
+          <a:fontRef idx="minor">
+            <a:schemeClr val="tx1"/>
+          </a:fontRef>
+        </p:style>
+      </p:cxnSp>
+      <p:sp>
+        <p:nvSpPr>
+          <p:cNvPr id="7" name="テキスト ボックス 6">
+            <a:extLst>
+              <a:ext uri="{FF2B5EF4-FFF2-40B4-BE49-F238E27FC236}">
+                <a16:creationId xmlns:a16="http://schemas.microsoft.com/office/drawing/2014/main" id="{7C0F0465-5457-E529-4DD8-EC80FF6C1CD5}"/>
+              </a:ext>
+            </a:extLst>
+          </p:cNvPr>
+          <p:cNvSpPr txBox="1"/>
+          <p:nvPr/>
+        </p:nvSpPr>
+        <p:spPr>
+          <a:xfrm>
+            <a:off x="5492965" y="4544702"/>
+            <a:ext cx="1132763" cy="369332"/>
+          </a:xfrm>
+          <a:prstGeom prst="rect">
+            <a:avLst/>
+          </a:prstGeom>
+          <a:noFill/>
+        </p:spPr>
+        <p:txBody>
+          <a:bodyPr wrap="square" rtlCol="0">
+            <a:spAutoFit/>
+          </a:bodyPr>
+          <a:lstStyle/>
+          <a:p>
+            <a:r>
+              <a:rPr kumimoji="1" lang="en-US" altLang="ja-JP" dirty="0"/>
+              <a:t>before</a:t>
+            </a:r>
+            <a:endParaRPr kumimoji="1" lang="ja-JP" altLang="en-US" dirty="0"/>
+          </a:p>
+        </p:txBody>
+      </p:sp>
+      <p:sp>
+        <p:nvSpPr>
+          <p:cNvPr id="8" name="テキスト ボックス 7">
+            <a:extLst>
+              <a:ext uri="{FF2B5EF4-FFF2-40B4-BE49-F238E27FC236}">
+                <a16:creationId xmlns:a16="http://schemas.microsoft.com/office/drawing/2014/main" id="{14DADDD5-8F6E-943C-A92D-CE2531B0C968}"/>
+              </a:ext>
+            </a:extLst>
+          </p:cNvPr>
+          <p:cNvSpPr txBox="1"/>
+          <p:nvPr/>
+        </p:nvSpPr>
+        <p:spPr>
+          <a:xfrm>
+            <a:off x="3897004" y="3108880"/>
+            <a:ext cx="2203545" cy="400110"/>
+          </a:xfrm>
+          <a:prstGeom prst="rect">
+            <a:avLst/>
+          </a:prstGeom>
+          <a:noFill/>
+        </p:spPr>
+        <p:txBody>
+          <a:bodyPr wrap="square" rtlCol="0">
+            <a:spAutoFit/>
+          </a:bodyPr>
+          <a:lstStyle/>
+          <a:p>
+            <a:r>
+              <a:rPr kumimoji="1" lang="en-US" altLang="ja-JP" sz="2000" dirty="0" err="1">
+                <a:solidFill>
+                  <a:schemeClr val="accent2"/>
+                </a:solidFill>
+              </a:rPr>
+              <a:t>append_order</a:t>
+            </a:r>
+            <a:endParaRPr kumimoji="1" lang="ja-JP" altLang="en-US" sz="2000" dirty="0">
+              <a:solidFill>
+                <a:schemeClr val="accent2"/>
+              </a:solidFill>
+            </a:endParaRPr>
+          </a:p>
+        </p:txBody>
+      </p:sp>
+      <p:graphicFrame>
+        <p:nvGraphicFramePr>
+          <p:cNvPr id="9" name="表 12">
+            <a:extLst>
+              <a:ext uri="{FF2B5EF4-FFF2-40B4-BE49-F238E27FC236}">
+                <a16:creationId xmlns:a16="http://schemas.microsoft.com/office/drawing/2014/main" id="{154B47A4-5BD1-9BAD-4BCC-C98B06DBF29F}"/>
+              </a:ext>
+            </a:extLst>
+          </p:cNvPr>
+          <p:cNvGraphicFramePr>
+            <a:graphicFrameLocks noGrp="1"/>
+          </p:cNvGraphicFramePr>
+          <p:nvPr>
+            <p:extLst>
+              <p:ext uri="{D42A27DB-BD31-4B8C-83A1-F6EECF244321}">
+                <p14:modId xmlns:p14="http://schemas.microsoft.com/office/powerpoint/2010/main" val="488627049"/>
+              </p:ext>
+            </p:extLst>
+          </p:nvPr>
+        </p:nvGraphicFramePr>
+        <p:xfrm>
+          <a:off x="3903260" y="5773237"/>
+          <a:ext cx="6611772" cy="396240"/>
+        </p:xfrm>
+        <a:graphic>
+          <a:graphicData uri="http://schemas.openxmlformats.org/drawingml/2006/table">
+            <a:tbl>
+              <a:tblPr firstRow="1" bandRow="1">
+                <a:tableStyleId>{E8B1032C-EA38-4F05-BA0D-38AFFFC7BED3}</a:tableStyleId>
+              </a:tblPr>
+              <a:tblGrid>
+                <a:gridCol w="1101962">
+                  <a:extLst>
+                    <a:ext uri="{9D8B030D-6E8A-4147-A177-3AD203B41FA5}">
+                      <a16:colId xmlns:a16="http://schemas.microsoft.com/office/drawing/2014/main" val="1351855872"/>
+                    </a:ext>
+                  </a:extLst>
+                </a:gridCol>
+                <a:gridCol w="1101962">
+                  <a:extLst>
+                    <a:ext uri="{9D8B030D-6E8A-4147-A177-3AD203B41FA5}">
+                      <a16:colId xmlns:a16="http://schemas.microsoft.com/office/drawing/2014/main" val="587042078"/>
+                    </a:ext>
+                  </a:extLst>
+                </a:gridCol>
+                <a:gridCol w="1101962">
+                  <a:extLst>
+                    <a:ext uri="{9D8B030D-6E8A-4147-A177-3AD203B41FA5}">
+                      <a16:colId xmlns:a16="http://schemas.microsoft.com/office/drawing/2014/main" val="2535306426"/>
+                    </a:ext>
+                  </a:extLst>
+                </a:gridCol>
+                <a:gridCol w="1101962">
+                  <a:extLst>
+                    <a:ext uri="{9D8B030D-6E8A-4147-A177-3AD203B41FA5}">
+                      <a16:colId xmlns:a16="http://schemas.microsoft.com/office/drawing/2014/main" val="828344796"/>
+                    </a:ext>
+                  </a:extLst>
+                </a:gridCol>
+                <a:gridCol w="1101962">
+                  <a:extLst>
+                    <a:ext uri="{9D8B030D-6E8A-4147-A177-3AD203B41FA5}">
+                      <a16:colId xmlns:a16="http://schemas.microsoft.com/office/drawing/2014/main" val="2326115501"/>
+                    </a:ext>
+                  </a:extLst>
+                </a:gridCol>
+                <a:gridCol w="1101962">
+                  <a:extLst>
+                    <a:ext uri="{9D8B030D-6E8A-4147-A177-3AD203B41FA5}">
+                      <a16:colId xmlns:a16="http://schemas.microsoft.com/office/drawing/2014/main" val="2556809434"/>
+                    </a:ext>
+                  </a:extLst>
+                </a:gridCol>
+              </a:tblGrid>
+              <a:tr h="370840">
+                <a:tc>
+                  <a:txBody>
+                    <a:bodyPr/>
+                    <a:lstStyle/>
+                    <a:p>
+                      <a:r>
+                        <a:rPr kumimoji="1" lang="en-US" altLang="ja-JP" sz="2000" b="0" dirty="0"/>
+                        <a:t>457783</a:t>
+                      </a:r>
+                      <a:endParaRPr kumimoji="1" lang="ja-JP" altLang="en-US" b="0" dirty="0"/>
+                    </a:p>
+                  </a:txBody>
+                  <a:tcPr/>
+                </a:tc>
+                <a:tc>
+                  <a:txBody>
+                    <a:bodyPr/>
+                    <a:lstStyle/>
+                    <a:p>
+                      <a:r>
+                        <a:rPr kumimoji="1" lang="en-US" altLang="ja-JP" sz="2000" b="0" dirty="0"/>
+                        <a:t>627560</a:t>
+                      </a:r>
+                      <a:endParaRPr kumimoji="1" lang="ja-JP" altLang="en-US" b="0" dirty="0"/>
+                    </a:p>
+                  </a:txBody>
+                  <a:tcPr/>
+                </a:tc>
+                <a:tc>
+                  <a:txBody>
+                    <a:bodyPr/>
+                    <a:lstStyle/>
+                    <a:p>
+                      <a:r>
+                        <a:rPr kumimoji="1" lang="en-US" altLang="ja-JP" sz="2000" b="0" dirty="0"/>
+                        <a:t>13907</a:t>
+                      </a:r>
+                      <a:endParaRPr kumimoji="1" lang="ja-JP" altLang="en-US" b="0" dirty="0"/>
+                    </a:p>
+                  </a:txBody>
+                  <a:tcPr/>
+                </a:tc>
+                <a:tc>
+                  <a:txBody>
+                    <a:bodyPr/>
+                    <a:lstStyle/>
+                    <a:p>
+                      <a:endParaRPr kumimoji="1" lang="ja-JP" altLang="en-US"/>
+                    </a:p>
+                  </a:txBody>
+                  <a:tcPr/>
+                </a:tc>
+                <a:tc>
+                  <a:txBody>
+                    <a:bodyPr/>
+                    <a:lstStyle/>
+                    <a:p>
+                      <a:endParaRPr kumimoji="1" lang="ja-JP" altLang="en-US"/>
+                    </a:p>
+                  </a:txBody>
+                  <a:tcPr/>
+                </a:tc>
+                <a:tc>
+                  <a:txBody>
+                    <a:bodyPr/>
+                    <a:lstStyle/>
+                    <a:p>
+                      <a:endParaRPr kumimoji="1" lang="ja-JP" altLang="en-US" dirty="0"/>
+                    </a:p>
+                  </a:txBody>
+                  <a:tcPr/>
+                </a:tc>
+                <a:extLst>
+                  <a:ext uri="{0D108BD9-81ED-4DB2-BD59-A6C34878D82A}">
+                    <a16:rowId xmlns:a16="http://schemas.microsoft.com/office/drawing/2014/main" val="401517684"/>
+                  </a:ext>
+                </a:extLst>
+              </a:tr>
+            </a:tbl>
+          </a:graphicData>
+        </a:graphic>
+      </p:graphicFrame>
+      <p:sp>
+        <p:nvSpPr>
+          <p:cNvPr id="10" name="テキスト ボックス 9">
+            <a:extLst>
+              <a:ext uri="{FF2B5EF4-FFF2-40B4-BE49-F238E27FC236}">
+                <a16:creationId xmlns:a16="http://schemas.microsoft.com/office/drawing/2014/main" id="{5F743C9C-B76A-7F01-4B6C-2A004EA4EC2E}"/>
+              </a:ext>
+            </a:extLst>
+          </p:cNvPr>
+          <p:cNvSpPr txBox="1"/>
+          <p:nvPr/>
+        </p:nvSpPr>
+        <p:spPr>
+          <a:xfrm>
+            <a:off x="3940220" y="5185622"/>
+            <a:ext cx="2203545" cy="400110"/>
+          </a:xfrm>
+          <a:prstGeom prst="rect">
+            <a:avLst/>
+          </a:prstGeom>
+          <a:noFill/>
+        </p:spPr>
+        <p:txBody>
+          <a:bodyPr wrap="square" rtlCol="0">
+            <a:spAutoFit/>
+          </a:bodyPr>
+          <a:lstStyle/>
+          <a:p>
+            <a:r>
+              <a:rPr kumimoji="1" lang="en-US" altLang="ja-JP" sz="2000" dirty="0">
+                <a:solidFill>
+                  <a:schemeClr val="accent6"/>
+                </a:solidFill>
+              </a:rPr>
+              <a:t>route</a:t>
+            </a:r>
+            <a:endParaRPr kumimoji="1" lang="ja-JP" altLang="en-US" sz="2000" dirty="0">
+              <a:solidFill>
+                <a:schemeClr val="accent6"/>
+              </a:solidFill>
+            </a:endParaRPr>
+          </a:p>
+        </p:txBody>
+      </p:sp>
+      <p:cxnSp>
+        <p:nvCxnSpPr>
+          <p:cNvPr id="11" name="直線矢印コネクタ 10">
+            <a:extLst>
+              <a:ext uri="{FF2B5EF4-FFF2-40B4-BE49-F238E27FC236}">
+                <a16:creationId xmlns:a16="http://schemas.microsoft.com/office/drawing/2014/main" id="{BD671EC6-976C-075F-0897-48B1B7916F26}"/>
+              </a:ext>
+            </a:extLst>
+          </p:cNvPr>
+          <p:cNvCxnSpPr>
+            <a:cxnSpLocks/>
+          </p:cNvCxnSpPr>
+          <p:nvPr/>
+        </p:nvCxnSpPr>
+        <p:spPr>
+          <a:xfrm flipV="1">
+            <a:off x="7914163" y="4138685"/>
+            <a:ext cx="0" cy="337780"/>
+          </a:xfrm>
+          <a:prstGeom prst="straightConnector1">
+            <a:avLst/>
+          </a:prstGeom>
+          <a:ln>
+            <a:tailEnd type="triangle"/>
+          </a:ln>
+        </p:spPr>
+        <p:style>
+          <a:lnRef idx="1">
+            <a:schemeClr val="dk1"/>
+          </a:lnRef>
+          <a:fillRef idx="0">
+            <a:schemeClr val="dk1"/>
+          </a:fillRef>
+          <a:effectRef idx="0">
+            <a:schemeClr val="dk1"/>
+          </a:effectRef>
+          <a:fontRef idx="minor">
+            <a:schemeClr val="tx1"/>
+          </a:fontRef>
+        </p:style>
+      </p:cxnSp>
+      <p:sp>
+        <p:nvSpPr>
+          <p:cNvPr id="12" name="テキスト ボックス 11">
+            <a:extLst>
+              <a:ext uri="{FF2B5EF4-FFF2-40B4-BE49-F238E27FC236}">
+                <a16:creationId xmlns:a16="http://schemas.microsoft.com/office/drawing/2014/main" id="{7E923C1A-DA7E-1A81-E066-B4ABD342A5C7}"/>
+              </a:ext>
+            </a:extLst>
+          </p:cNvPr>
+          <p:cNvSpPr txBox="1"/>
+          <p:nvPr/>
+        </p:nvSpPr>
+        <p:spPr>
+          <a:xfrm>
+            <a:off x="7586616" y="4473889"/>
+            <a:ext cx="1132763" cy="369332"/>
+          </a:xfrm>
+          <a:prstGeom prst="rect">
+            <a:avLst/>
+          </a:prstGeom>
+          <a:noFill/>
+        </p:spPr>
+        <p:txBody>
+          <a:bodyPr wrap="square" rtlCol="0">
+            <a:spAutoFit/>
+          </a:bodyPr>
+          <a:lstStyle/>
+          <a:p>
+            <a:r>
+              <a:rPr kumimoji="1" lang="en-US" altLang="ja-JP" dirty="0"/>
+              <a:t>after</a:t>
+            </a:r>
+            <a:endParaRPr kumimoji="1" lang="ja-JP" altLang="en-US" dirty="0"/>
+          </a:p>
+        </p:txBody>
+      </p:sp>
+      <p:sp>
+        <p:nvSpPr>
+          <p:cNvPr id="13" name="吹き出し: 角を丸めた四角形 12">
+            <a:extLst>
+              <a:ext uri="{FF2B5EF4-FFF2-40B4-BE49-F238E27FC236}">
+                <a16:creationId xmlns:a16="http://schemas.microsoft.com/office/drawing/2014/main" id="{26873F9E-7D3E-958B-B126-9268B00B5438}"/>
+              </a:ext>
+            </a:extLst>
+          </p:cNvPr>
+          <p:cNvSpPr/>
+          <p:nvPr/>
+        </p:nvSpPr>
+        <p:spPr>
+          <a:xfrm>
+            <a:off x="48811" y="2849098"/>
+            <a:ext cx="2104079" cy="1151509"/>
+          </a:xfrm>
+          <a:prstGeom prst="wedgeRoundRectCallout">
+            <a:avLst>
+              <a:gd name="adj1" fmla="val 42309"/>
+              <a:gd name="adj2" fmla="val 56705"/>
+              <a:gd name="adj3" fmla="val 16667"/>
+            </a:avLst>
+          </a:prstGeom>
+        </p:spPr>
+        <p:style>
+          <a:lnRef idx="2">
+            <a:schemeClr val="accent4"/>
+          </a:lnRef>
+          <a:fillRef idx="1">
+            <a:schemeClr val="lt1"/>
+          </a:fillRef>
+          <a:effectRef idx="0">
+            <a:schemeClr val="accent4"/>
+          </a:effectRef>
+          <a:fontRef idx="minor">
+            <a:schemeClr val="dk1"/>
+          </a:fontRef>
+        </p:style>
+        <p:txBody>
+          <a:bodyPr rtlCol="0" anchor="ctr"/>
+          <a:lstStyle/>
+          <a:p>
+            <a:pPr algn="ctr"/>
+            <a:r>
+              <a:rPr lang="en-US" altLang="ja-JP" dirty="0"/>
+              <a:t>t</a:t>
+            </a:r>
+            <a:r>
+              <a:rPr kumimoji="1" lang="en-US" altLang="ja-JP" dirty="0"/>
+              <a:t>arget</a:t>
+            </a:r>
+            <a:r>
+              <a:rPr kumimoji="1" lang="ja-JP" altLang="en-US" dirty="0"/>
+              <a:t>と一致するからこれ以上</a:t>
+            </a:r>
+            <a:r>
+              <a:rPr kumimoji="1" lang="en-US" altLang="ja-JP" dirty="0"/>
+              <a:t>stack</a:t>
+            </a:r>
+            <a:r>
+              <a:rPr kumimoji="1" lang="ja-JP" altLang="en-US" dirty="0"/>
+              <a:t>に積まない</a:t>
+            </a:r>
+          </a:p>
+        </p:txBody>
+      </p:sp>
+    </p:spTree>
+    <p:extLst>
+      <p:ext uri="{BB962C8B-B14F-4D97-AF65-F5344CB8AC3E}">
+        <p14:creationId xmlns:p14="http://schemas.microsoft.com/office/powerpoint/2010/main" val="3558512761"/>
       </p:ext>
     </p:extLst>
   </p:cSld>
@@ -8634,8 +10972,8 @@
           </a:p>
         </p:txBody>
       </p:sp>
-      <mc:AlternateContent xmlns:mc="http://schemas.openxmlformats.org/markup-compatibility/2006">
-        <mc:Choice xmlns:p14="http://schemas.microsoft.com/office/powerpoint/2010/main" Requires="p14">
+      <mc:AlternateContent xmlns:mc="http://schemas.openxmlformats.org/markup-compatibility/2006" xmlns:p14="http://schemas.microsoft.com/office/powerpoint/2010/main">
+        <mc:Choice Requires="p14">
           <p:contentPart p14:bwMode="auto" r:id="rId2">
             <p14:nvContentPartPr>
               <p14:cNvPr id="22" name="インク 21">
@@ -8654,7 +10992,7 @@
             </p14:xfrm>
           </p:contentPart>
         </mc:Choice>
-        <mc:Fallback>
+        <mc:Fallback xmlns="">
           <p:pic>
             <p:nvPicPr>
               <p:cNvPr id="22" name="インク 21">
@@ -8685,8 +11023,8 @@
           </p:pic>
         </mc:Fallback>
       </mc:AlternateContent>
-      <mc:AlternateContent xmlns:mc="http://schemas.openxmlformats.org/markup-compatibility/2006">
-        <mc:Choice xmlns:p14="http://schemas.microsoft.com/office/powerpoint/2010/main" Requires="p14">
+      <mc:AlternateContent xmlns:mc="http://schemas.openxmlformats.org/markup-compatibility/2006" xmlns:p14="http://schemas.microsoft.com/office/powerpoint/2010/main">
+        <mc:Choice Requires="p14">
           <p:contentPart p14:bwMode="auto" r:id="rId4">
             <p14:nvContentPartPr>
               <p14:cNvPr id="23" name="インク 22">
@@ -8705,7 +11043,7 @@
             </p14:xfrm>
           </p:contentPart>
         </mc:Choice>
-        <mc:Fallback>
+        <mc:Fallback xmlns="">
           <p:pic>
             <p:nvPicPr>
               <p:cNvPr id="23" name="インク 22">
@@ -10197,8 +12535,8 @@
           </a:fontRef>
         </p:style>
       </p:cxnSp>
-      <mc:AlternateContent xmlns:mc="http://schemas.openxmlformats.org/markup-compatibility/2006">
-        <mc:Choice xmlns:p14="http://schemas.microsoft.com/office/powerpoint/2010/main" Requires="p14">
+      <mc:AlternateContent xmlns:mc="http://schemas.openxmlformats.org/markup-compatibility/2006" xmlns:p14="http://schemas.microsoft.com/office/powerpoint/2010/main">
+        <mc:Choice Requires="p14">
           <p:contentPart p14:bwMode="auto" r:id="rId2">
             <p14:nvContentPartPr>
               <p14:cNvPr id="20" name="インク 19">
@@ -10217,7 +12555,7 @@
             </p14:xfrm>
           </p:contentPart>
         </mc:Choice>
-        <mc:Fallback>
+        <mc:Fallback xmlns="">
           <p:pic>
             <p:nvPicPr>
               <p:cNvPr id="20" name="インク 19">
@@ -10248,8 +12586,8 @@
           </p:pic>
         </mc:Fallback>
       </mc:AlternateContent>
-      <mc:AlternateContent xmlns:mc="http://schemas.openxmlformats.org/markup-compatibility/2006">
-        <mc:Choice xmlns:p14="http://schemas.microsoft.com/office/powerpoint/2010/main" Requires="p14">
+      <mc:AlternateContent xmlns:mc="http://schemas.openxmlformats.org/markup-compatibility/2006" xmlns:p14="http://schemas.microsoft.com/office/powerpoint/2010/main">
+        <mc:Choice Requires="p14">
           <p:contentPart p14:bwMode="auto" r:id="rId4">
             <p14:nvContentPartPr>
               <p14:cNvPr id="21" name="インク 20">
@@ -10268,7 +12606,7 @@
             </p14:xfrm>
           </p:contentPart>
         </mc:Choice>
-        <mc:Fallback>
+        <mc:Fallback xmlns="">
           <p:pic>
             <p:nvPicPr>
               <p:cNvPr id="21" name="インク 20">
@@ -12755,8 +15093,8 @@
           </a:p>
         </p:txBody>
       </p:sp>
-      <mc:AlternateContent xmlns:mc="http://schemas.openxmlformats.org/markup-compatibility/2006">
-        <mc:Choice xmlns:p14="http://schemas.microsoft.com/office/powerpoint/2010/main" Requires="p14">
+      <mc:AlternateContent xmlns:mc="http://schemas.openxmlformats.org/markup-compatibility/2006" xmlns:p14="http://schemas.microsoft.com/office/powerpoint/2010/main">
+        <mc:Choice Requires="p14">
           <p:contentPart p14:bwMode="auto" r:id="rId2">
             <p14:nvContentPartPr>
               <p14:cNvPr id="7" name="インク 6">
@@ -12775,7 +15113,7 @@
             </p14:xfrm>
           </p:contentPart>
         </mc:Choice>
-        <mc:Fallback>
+        <mc:Fallback xmlns="">
           <p:pic>
             <p:nvPicPr>
               <p:cNvPr id="7" name="インク 6">
@@ -12806,8 +15144,8 @@
           </p:pic>
         </mc:Fallback>
       </mc:AlternateContent>
-      <mc:AlternateContent xmlns:mc="http://schemas.openxmlformats.org/markup-compatibility/2006">
-        <mc:Choice xmlns:p14="http://schemas.microsoft.com/office/powerpoint/2010/main" Requires="p14">
+      <mc:AlternateContent xmlns:mc="http://schemas.openxmlformats.org/markup-compatibility/2006" xmlns:p14="http://schemas.microsoft.com/office/powerpoint/2010/main">
+        <mc:Choice Requires="p14">
           <p:contentPart p14:bwMode="auto" r:id="rId4">
             <p14:nvContentPartPr>
               <p14:cNvPr id="29" name="インク 28">
@@ -12826,7 +15164,7 @@
             </p14:xfrm>
           </p:contentPart>
         </mc:Choice>
-        <mc:Fallback>
+        <mc:Fallback xmlns="">
           <p:pic>
             <p:nvPicPr>
               <p:cNvPr id="29" name="インク 28">
